--- a/trial-paper-sp025/c1/questions.pptx
+++ b/trial-paper-sp025/c1/questions.pptx
@@ -201,7 +201,7 @@
           <a:p>
             <a:fld id="{96402851-33C0-4232-B698-3821E8FFBB2B}" type="datetimeFigureOut">
               <a:rPr lang="en-MY" smtClean="0"/>
-              <a:t>21/3/2025</a:t>
+              <a:t>23/3/2025</a:t>
             </a:fld>
             <a:endParaRPr lang="en-MY"/>
           </a:p>
@@ -716,6 +716,1344 @@
 </p:notes>
 </file>
 
+<file path=ppt/notesSlides/notesSlide2.xml><?xml version="1.0" encoding="utf-8"?>
+<p:notes xmlns:a="http://schemas.openxmlformats.org/drawingml/2006/main" xmlns:r="http://schemas.openxmlformats.org/officeDocument/2006/relationships" xmlns:p="http://schemas.openxmlformats.org/presentationml/2006/main">
+  <p:cSld>
+    <p:spTree>
+      <p:nvGrpSpPr>
+        <p:cNvPr id="1" name="">
+          <a:extLst>
+            <a:ext uri="{FF2B5EF4-FFF2-40B4-BE49-F238E27FC236}">
+              <a16:creationId xmlns:a16="http://schemas.microsoft.com/office/drawing/2014/main" id="{220010B5-A13A-B6B1-AAB6-2F562BB10651}"/>
+            </a:ext>
+          </a:extLst>
+        </p:cNvPr>
+        <p:cNvGrpSpPr/>
+        <p:nvPr/>
+      </p:nvGrpSpPr>
+      <p:grpSpPr>
+        <a:xfrm>
+          <a:off x="0" y="0"/>
+          <a:ext cx="0" cy="0"/>
+          <a:chOff x="0" y="0"/>
+          <a:chExt cx="0" cy="0"/>
+        </a:xfrm>
+      </p:grpSpPr>
+      <p:sp>
+        <p:nvSpPr>
+          <p:cNvPr id="2" name="Slide Image Placeholder 1">
+            <a:extLst>
+              <a:ext uri="{FF2B5EF4-FFF2-40B4-BE49-F238E27FC236}">
+                <a16:creationId xmlns:a16="http://schemas.microsoft.com/office/drawing/2014/main" id="{A678E854-7A08-1E04-1A8A-88BE09EB633E}"/>
+              </a:ext>
+            </a:extLst>
+          </p:cNvPr>
+          <p:cNvSpPr>
+            <a:spLocks noGrp="1" noRot="1" noChangeAspect="1"/>
+          </p:cNvSpPr>
+          <p:nvPr>
+            <p:ph type="sldImg"/>
+          </p:nvPr>
+        </p:nvSpPr>
+        <p:spPr/>
+      </p:sp>
+      <mc:AlternateContent xmlns:mc="http://schemas.openxmlformats.org/markup-compatibility/2006">
+        <mc:Choice xmlns:a14="http://schemas.microsoft.com/office/drawing/2010/main" Requires="a14">
+          <p:sp>
+            <p:nvSpPr>
+              <p:cNvPr id="3" name="Notes Placeholder 2">
+                <a:extLst>
+                  <a:ext uri="{FF2B5EF4-FFF2-40B4-BE49-F238E27FC236}">
+                    <a16:creationId xmlns:a16="http://schemas.microsoft.com/office/drawing/2014/main" id="{4C3797CF-8E78-E71F-3D79-1117973DD013}"/>
+                  </a:ext>
+                </a:extLst>
+              </p:cNvPr>
+              <p:cNvSpPr>
+                <a:spLocks noGrp="1"/>
+              </p:cNvSpPr>
+              <p:nvPr>
+                <p:ph type="body" idx="1"/>
+              </p:nvPr>
+            </p:nvSpPr>
+            <p:spPr/>
+            <p:txBody>
+              <a:bodyPr/>
+              <a:lstStyle/>
+              <a:p>
+                <a:r>
+                  <a:rPr lang="en-MY" dirty="0"/>
+                  <a:t>[{</a:t>
+                </a:r>
+                <a14:m>
+                  <m:oMath xmlns:m="http://schemas.openxmlformats.org/officeDocument/2006/math">
+                    <m:r>
+                      <a:rPr lang="en-US" b="0" i="1" smtClean="0">
+                        <a:latin typeface="Cambria Math" panose="02040503050406030204" pitchFamily="18" charset="0"/>
+                      </a:rPr>
+                      <m:t>860</m:t>
+                    </m:r>
+                    <m:r>
+                      <a:rPr lang="en-US" b="0" i="1" smtClean="0">
+                        <a:latin typeface="Cambria Math" panose="02040503050406030204" pitchFamily="18" charset="0"/>
+                      </a:rPr>
+                      <m:t>𝑘𝑁</m:t>
+                    </m:r>
+                    <m:sSup>
+                      <m:sSupPr>
+                        <m:ctrlPr>
+                          <a:rPr lang="en-US" b="0" i="1" smtClean="0">
+                            <a:latin typeface="Cambria Math" panose="02040503050406030204" pitchFamily="18" charset="0"/>
+                          </a:rPr>
+                        </m:ctrlPr>
+                      </m:sSupPr>
+                      <m:e>
+                        <m:r>
+                          <a:rPr lang="en-US" b="0" i="1" smtClean="0">
+                            <a:latin typeface="Cambria Math" panose="02040503050406030204" pitchFamily="18" charset="0"/>
+                          </a:rPr>
+                          <m:t>𝐶</m:t>
+                        </m:r>
+                      </m:e>
+                      <m:sup>
+                        <m:r>
+                          <a:rPr lang="en-US" b="0" i="1" smtClean="0">
+                            <a:latin typeface="Cambria Math" panose="02040503050406030204" pitchFamily="18" charset="0"/>
+                          </a:rPr>
+                          <m:t>−1</m:t>
+                        </m:r>
+                      </m:sup>
+                    </m:sSup>
+                  </m:oMath>
+                </a14:m>
+                <a:r>
+                  <a:rPr lang="en-MY" dirty="0"/>
+                  <a:t>, 0.52N} at </a:t>
+                </a:r>
+                <a14:m>
+                  <m:oMath xmlns:m="http://schemas.openxmlformats.org/officeDocument/2006/math">
+                    <m:sSup>
+                      <m:sSupPr>
+                        <m:ctrlPr>
+                          <a:rPr lang="en-US" b="0" i="1" smtClean="0">
+                            <a:latin typeface="Cambria Math" panose="02040503050406030204" pitchFamily="18" charset="0"/>
+                          </a:rPr>
+                        </m:ctrlPr>
+                      </m:sSupPr>
+                      <m:e>
+                        <m:r>
+                          <a:rPr lang="en-US" b="0" i="1" smtClean="0">
+                            <a:latin typeface="Cambria Math" panose="02040503050406030204" pitchFamily="18" charset="0"/>
+                          </a:rPr>
+                          <m:t>60.64</m:t>
+                        </m:r>
+                      </m:e>
+                      <m:sup>
+                        <m:r>
+                          <a:rPr lang="en-US" b="0" i="1" smtClean="0">
+                            <a:latin typeface="Cambria Math" panose="02040503050406030204" pitchFamily="18" charset="0"/>
+                          </a:rPr>
+                          <m:t>𝑜</m:t>
+                        </m:r>
+                      </m:sup>
+                    </m:sSup>
+                  </m:oMath>
+                </a14:m>
+                <a:r>
+                  <a:rPr lang="en-MY" dirty="0"/>
+                  <a:t> below the positive x-axis]</a:t>
+                </a:r>
+              </a:p>
+              <a:p>
+                <a:r>
+                  <a:rPr lang="en-MY" dirty="0"/>
+                  <a:t>[</a:t>
+                </a:r>
+                <a14:m>
+                  <m:oMath xmlns:m="http://schemas.openxmlformats.org/officeDocument/2006/math">
+                    <m:r>
+                      <a:rPr lang="en-US" b="0" i="1" smtClean="0">
+                        <a:latin typeface="Cambria Math" panose="02040503050406030204" pitchFamily="18" charset="0"/>
+                      </a:rPr>
+                      <m:t>15</m:t>
+                    </m:r>
+                    <m:r>
+                      <a:rPr lang="en-US" b="0" i="1" smtClean="0">
+                        <a:latin typeface="Cambria Math" panose="02040503050406030204" pitchFamily="18" charset="0"/>
+                      </a:rPr>
+                      <m:t>𝑚𝐽</m:t>
+                    </m:r>
+                  </m:oMath>
+                </a14:m>
+                <a:r>
+                  <a:rPr lang="en-MY" dirty="0"/>
+                  <a:t>]</a:t>
+                </a:r>
+              </a:p>
+            </p:txBody>
+          </p:sp>
+        </mc:Choice>
+        <mc:Fallback>
+          <p:sp>
+            <p:nvSpPr>
+              <p:cNvPr id="3" name="Notes Placeholder 2">
+                <a:extLst>
+                  <a:ext uri="{FF2B5EF4-FFF2-40B4-BE49-F238E27FC236}">
+                    <a16:creationId xmlns:a16="http://schemas.microsoft.com/office/drawing/2014/main" id="{4C3797CF-8E78-E71F-3D79-1117973DD013}"/>
+                  </a:ext>
+                </a:extLst>
+              </p:cNvPr>
+              <p:cNvSpPr>
+                <a:spLocks noGrp="1"/>
+              </p:cNvSpPr>
+              <p:nvPr>
+                <p:ph type="body" idx="1"/>
+              </p:nvPr>
+            </p:nvSpPr>
+            <p:spPr/>
+            <p:txBody>
+              <a:bodyPr/>
+              <a:lstStyle/>
+              <a:p>
+                <a:r>
+                  <a:rPr lang="en-MY" dirty="0"/>
+                  <a:t>[{</a:t>
+                </a:r>
+                <a:r>
+                  <a:rPr lang="en-US" b="0" i="0">
+                    <a:latin typeface="Cambria Math" panose="02040503050406030204" pitchFamily="18" charset="0"/>
+                  </a:rPr>
+                  <a:t>860𝑘𝑁𝐶^(−1)</a:t>
+                </a:r>
+                <a:r>
+                  <a:rPr lang="en-MY" dirty="0"/>
+                  <a:t>, 0.52N} at </a:t>
+                </a:r>
+                <a:r>
+                  <a:rPr lang="en-US" b="0" i="0">
+                    <a:latin typeface="Cambria Math" panose="02040503050406030204" pitchFamily="18" charset="0"/>
+                  </a:rPr>
+                  <a:t>〖60.64〗^𝑜</a:t>
+                </a:r>
+                <a:r>
+                  <a:rPr lang="en-MY" dirty="0"/>
+                  <a:t> below the positive x-axis]</a:t>
+                </a:r>
+              </a:p>
+              <a:p>
+                <a:r>
+                  <a:rPr lang="en-MY" dirty="0"/>
+                  <a:t>[</a:t>
+                </a:r>
+                <a:r>
+                  <a:rPr lang="en-US" b="0" i="0">
+                    <a:latin typeface="Cambria Math" panose="02040503050406030204" pitchFamily="18" charset="0"/>
+                  </a:rPr>
+                  <a:t>15𝑚𝐽</a:t>
+                </a:r>
+                <a:r>
+                  <a:rPr lang="en-MY" dirty="0"/>
+                  <a:t>]</a:t>
+                </a:r>
+              </a:p>
+            </p:txBody>
+          </p:sp>
+        </mc:Fallback>
+      </mc:AlternateContent>
+      <p:sp>
+        <p:nvSpPr>
+          <p:cNvPr id="4" name="Slide Number Placeholder 3">
+            <a:extLst>
+              <a:ext uri="{FF2B5EF4-FFF2-40B4-BE49-F238E27FC236}">
+                <a16:creationId xmlns:a16="http://schemas.microsoft.com/office/drawing/2014/main" id="{6E14ABC8-2E48-F520-34DC-54B789575C12}"/>
+              </a:ext>
+            </a:extLst>
+          </p:cNvPr>
+          <p:cNvSpPr>
+            <a:spLocks noGrp="1"/>
+          </p:cNvSpPr>
+          <p:nvPr>
+            <p:ph type="sldNum" sz="quarter" idx="5"/>
+          </p:nvPr>
+        </p:nvSpPr>
+        <p:spPr/>
+        <p:txBody>
+          <a:bodyPr/>
+          <a:lstStyle/>
+          <a:p>
+            <a:fld id="{1E9F7178-10E6-4B08-A988-6735E72E923E}" type="slidenum">
+              <a:rPr lang="en-MY" smtClean="0"/>
+              <a:t>2</a:t>
+            </a:fld>
+            <a:endParaRPr lang="en-MY"/>
+          </a:p>
+        </p:txBody>
+      </p:sp>
+    </p:spTree>
+    <p:extLst>
+      <p:ext uri="{BB962C8B-B14F-4D97-AF65-F5344CB8AC3E}">
+        <p14:creationId xmlns:p14="http://schemas.microsoft.com/office/powerpoint/2010/main" val="356798897"/>
+      </p:ext>
+    </p:extLst>
+  </p:cSld>
+  <p:clrMapOvr>
+    <a:masterClrMapping/>
+  </p:clrMapOvr>
+</p:notes>
+</file>
+
+<file path=ppt/notesSlides/notesSlide3.xml><?xml version="1.0" encoding="utf-8"?>
+<p:notes xmlns:a="http://schemas.openxmlformats.org/drawingml/2006/main" xmlns:r="http://schemas.openxmlformats.org/officeDocument/2006/relationships" xmlns:p="http://schemas.openxmlformats.org/presentationml/2006/main">
+  <p:cSld>
+    <p:spTree>
+      <p:nvGrpSpPr>
+        <p:cNvPr id="1" name="">
+          <a:extLst>
+            <a:ext uri="{FF2B5EF4-FFF2-40B4-BE49-F238E27FC236}">
+              <a16:creationId xmlns:a16="http://schemas.microsoft.com/office/drawing/2014/main" id="{16E6D345-EBB4-F5AA-3854-BB115F7BB844}"/>
+            </a:ext>
+          </a:extLst>
+        </p:cNvPr>
+        <p:cNvGrpSpPr/>
+        <p:nvPr/>
+      </p:nvGrpSpPr>
+      <p:grpSpPr>
+        <a:xfrm>
+          <a:off x="0" y="0"/>
+          <a:ext cx="0" cy="0"/>
+          <a:chOff x="0" y="0"/>
+          <a:chExt cx="0" cy="0"/>
+        </a:xfrm>
+      </p:grpSpPr>
+      <p:sp>
+        <p:nvSpPr>
+          <p:cNvPr id="2" name="Slide Image Placeholder 1">
+            <a:extLst>
+              <a:ext uri="{FF2B5EF4-FFF2-40B4-BE49-F238E27FC236}">
+                <a16:creationId xmlns:a16="http://schemas.microsoft.com/office/drawing/2014/main" id="{1082C556-3645-6EDD-04A6-182BB85650E9}"/>
+              </a:ext>
+            </a:extLst>
+          </p:cNvPr>
+          <p:cNvSpPr>
+            <a:spLocks noGrp="1" noRot="1" noChangeAspect="1"/>
+          </p:cNvSpPr>
+          <p:nvPr>
+            <p:ph type="sldImg"/>
+          </p:nvPr>
+        </p:nvSpPr>
+        <p:spPr/>
+      </p:sp>
+      <mc:AlternateContent xmlns:mc="http://schemas.openxmlformats.org/markup-compatibility/2006">
+        <mc:Choice xmlns:a14="http://schemas.microsoft.com/office/drawing/2010/main" Requires="a14">
+          <p:sp>
+            <p:nvSpPr>
+              <p:cNvPr id="3" name="Notes Placeholder 2">
+                <a:extLst>
+                  <a:ext uri="{FF2B5EF4-FFF2-40B4-BE49-F238E27FC236}">
+                    <a16:creationId xmlns:a16="http://schemas.microsoft.com/office/drawing/2014/main" id="{5F248335-8FA1-979B-B525-50C0E0255CAF}"/>
+                  </a:ext>
+                </a:extLst>
+              </p:cNvPr>
+              <p:cNvSpPr>
+                <a:spLocks noGrp="1"/>
+              </p:cNvSpPr>
+              <p:nvPr>
+                <p:ph type="body" idx="1"/>
+              </p:nvPr>
+            </p:nvSpPr>
+            <p:spPr/>
+            <p:txBody>
+              <a:bodyPr/>
+              <a:lstStyle/>
+              <a:p>
+                <a:r>
+                  <a:rPr lang="en-MY" dirty="0"/>
+                  <a:t>[</a:t>
+                </a:r>
+                <a14:m>
+                  <m:oMath xmlns:m="http://schemas.openxmlformats.org/officeDocument/2006/math">
+                    <m:r>
+                      <a:rPr lang="en-US" b="0" i="1" smtClean="0">
+                        <a:latin typeface="Cambria Math" panose="02040503050406030204" pitchFamily="18" charset="0"/>
+                      </a:rPr>
+                      <m:t>−9750</m:t>
+                    </m:r>
+                    <m:r>
+                      <a:rPr lang="en-US" b="0" i="1" smtClean="0">
+                        <a:latin typeface="Cambria Math" panose="02040503050406030204" pitchFamily="18" charset="0"/>
+                      </a:rPr>
+                      <m:t>𝑁</m:t>
+                    </m:r>
+                    <m:sSup>
+                      <m:sSupPr>
+                        <m:ctrlPr>
+                          <a:rPr lang="en-US" b="0" i="1" smtClean="0">
+                            <a:latin typeface="Cambria Math" panose="02040503050406030204" pitchFamily="18" charset="0"/>
+                          </a:rPr>
+                        </m:ctrlPr>
+                      </m:sSupPr>
+                      <m:e>
+                        <m:r>
+                          <a:rPr lang="en-US" b="0" i="1" smtClean="0">
+                            <a:latin typeface="Cambria Math" panose="02040503050406030204" pitchFamily="18" charset="0"/>
+                          </a:rPr>
+                          <m:t>𝐶</m:t>
+                        </m:r>
+                      </m:e>
+                      <m:sup>
+                        <m:r>
+                          <a:rPr lang="en-US" b="0" i="1" smtClean="0">
+                            <a:latin typeface="Cambria Math" panose="02040503050406030204" pitchFamily="18" charset="0"/>
+                          </a:rPr>
+                          <m:t>−1</m:t>
+                        </m:r>
+                      </m:sup>
+                    </m:sSup>
+                  </m:oMath>
+                </a14:m>
+                <a:r>
+                  <a:rPr lang="en-MY" dirty="0"/>
+                  <a:t> to</a:t>
+                </a:r>
+                <a:r>
+                  <a:rPr lang="en-MY" baseline="0" dirty="0"/>
+                  <a:t> the left</a:t>
+                </a:r>
+                <a:r>
+                  <a:rPr lang="en-MY" dirty="0"/>
+                  <a:t>]</a:t>
+                </a:r>
+              </a:p>
+              <a:p>
+                <a:r>
+                  <a:rPr lang="en-MY" dirty="0"/>
+                  <a:t>[</a:t>
+                </a:r>
+                <a14:m>
+                  <m:oMath xmlns:m="http://schemas.openxmlformats.org/officeDocument/2006/math">
+                    <m:r>
+                      <a:rPr lang="en-US" b="0" i="1" smtClean="0">
+                        <a:latin typeface="Cambria Math" panose="02040503050406030204" pitchFamily="18" charset="0"/>
+                      </a:rPr>
+                      <m:t>−9.89×</m:t>
+                    </m:r>
+                    <m:sSup>
+                      <m:sSupPr>
+                        <m:ctrlPr>
+                          <a:rPr lang="en-US" b="0" i="1" smtClean="0">
+                            <a:latin typeface="Cambria Math" panose="02040503050406030204" pitchFamily="18" charset="0"/>
+                          </a:rPr>
+                        </m:ctrlPr>
+                      </m:sSupPr>
+                      <m:e>
+                        <m:r>
+                          <a:rPr lang="en-US" b="0" i="1" smtClean="0">
+                            <a:latin typeface="Cambria Math" panose="02040503050406030204" pitchFamily="18" charset="0"/>
+                          </a:rPr>
+                          <m:t>10</m:t>
+                        </m:r>
+                      </m:e>
+                      <m:sup>
+                        <m:r>
+                          <a:rPr lang="en-US" b="0" i="1" smtClean="0">
+                            <a:latin typeface="Cambria Math" panose="02040503050406030204" pitchFamily="18" charset="0"/>
+                          </a:rPr>
+                          <m:t>−19</m:t>
+                        </m:r>
+                      </m:sup>
+                    </m:sSup>
+                    <m:r>
+                      <a:rPr lang="en-US" b="0" i="1" smtClean="0">
+                        <a:latin typeface="Cambria Math" panose="02040503050406030204" pitchFamily="18" charset="0"/>
+                      </a:rPr>
+                      <m:t>𝐽</m:t>
+                    </m:r>
+                  </m:oMath>
+                </a14:m>
+                <a:r>
+                  <a:rPr lang="en-MY" dirty="0"/>
+                  <a:t>]</a:t>
+                </a:r>
+              </a:p>
+              <a:p>
+                <a:r>
+                  <a:rPr lang="en-MY" dirty="0"/>
+                  <a:t>[</a:t>
+                </a:r>
+                <a14:m>
+                  <m:oMath xmlns:m="http://schemas.openxmlformats.org/officeDocument/2006/math">
+                    <m:r>
+                      <a:rPr lang="en-US" b="0" i="1" smtClean="0">
+                        <a:latin typeface="Cambria Math" panose="02040503050406030204" pitchFamily="18" charset="0"/>
+                      </a:rPr>
+                      <m:t>98.1</m:t>
+                    </m:r>
+                    <m:r>
+                      <a:rPr lang="en-US" b="0" i="1" smtClean="0">
+                        <a:latin typeface="Cambria Math" panose="02040503050406030204" pitchFamily="18" charset="0"/>
+                      </a:rPr>
+                      <m:t>𝑘𝑉</m:t>
+                    </m:r>
+                  </m:oMath>
+                </a14:m>
+                <a:r>
+                  <a:rPr lang="en-MY" dirty="0"/>
+                  <a:t>]</a:t>
+                </a:r>
+              </a:p>
+            </p:txBody>
+          </p:sp>
+        </mc:Choice>
+        <mc:Fallback>
+          <p:sp>
+            <p:nvSpPr>
+              <p:cNvPr id="3" name="Notes Placeholder 2">
+                <a:extLst>
+                  <a:ext uri="{FF2B5EF4-FFF2-40B4-BE49-F238E27FC236}">
+                    <a16:creationId xmlns:a16="http://schemas.microsoft.com/office/drawing/2014/main" id="{5F248335-8FA1-979B-B525-50C0E0255CAF}"/>
+                  </a:ext>
+                </a:extLst>
+              </p:cNvPr>
+              <p:cNvSpPr>
+                <a:spLocks noGrp="1"/>
+              </p:cNvSpPr>
+              <p:nvPr>
+                <p:ph type="body" idx="1"/>
+              </p:nvPr>
+            </p:nvSpPr>
+            <p:spPr/>
+            <p:txBody>
+              <a:bodyPr/>
+              <a:lstStyle/>
+              <a:p>
+                <a:r>
+                  <a:rPr lang="en-MY" dirty="0"/>
+                  <a:t>[</a:t>
+                </a:r>
+                <a:r>
+                  <a:rPr lang="en-US" b="0" i="0">
+                    <a:latin typeface="Cambria Math" panose="02040503050406030204" pitchFamily="18" charset="0"/>
+                  </a:rPr>
+                  <a:t>−9750𝑁𝐶^(−1)</a:t>
+                </a:r>
+                <a:r>
+                  <a:rPr lang="en-MY" dirty="0"/>
+                  <a:t> to</a:t>
+                </a:r>
+                <a:r>
+                  <a:rPr lang="en-MY" baseline="0" dirty="0"/>
+                  <a:t> the left</a:t>
+                </a:r>
+                <a:r>
+                  <a:rPr lang="en-MY" dirty="0"/>
+                  <a:t>]</a:t>
+                </a:r>
+              </a:p>
+              <a:p>
+                <a:r>
+                  <a:rPr lang="en-MY" dirty="0"/>
+                  <a:t>[</a:t>
+                </a:r>
+                <a:r>
+                  <a:rPr lang="en-US" b="0" i="0">
+                    <a:latin typeface="Cambria Math" panose="02040503050406030204" pitchFamily="18" charset="0"/>
+                  </a:rPr>
+                  <a:t>−9.89×10^(−19) 𝐽</a:t>
+                </a:r>
+                <a:r>
+                  <a:rPr lang="en-MY" dirty="0"/>
+                  <a:t>]</a:t>
+                </a:r>
+              </a:p>
+              <a:p>
+                <a:r>
+                  <a:rPr lang="en-MY" dirty="0"/>
+                  <a:t>[</a:t>
+                </a:r>
+                <a:r>
+                  <a:rPr lang="en-US" b="0" i="0">
+                    <a:latin typeface="Cambria Math" panose="02040503050406030204" pitchFamily="18" charset="0"/>
+                  </a:rPr>
+                  <a:t>98.1𝑘𝑉</a:t>
+                </a:r>
+                <a:r>
+                  <a:rPr lang="en-MY" dirty="0"/>
+                  <a:t>]</a:t>
+                </a:r>
+              </a:p>
+            </p:txBody>
+          </p:sp>
+        </mc:Fallback>
+      </mc:AlternateContent>
+      <p:sp>
+        <p:nvSpPr>
+          <p:cNvPr id="4" name="Slide Number Placeholder 3">
+            <a:extLst>
+              <a:ext uri="{FF2B5EF4-FFF2-40B4-BE49-F238E27FC236}">
+                <a16:creationId xmlns:a16="http://schemas.microsoft.com/office/drawing/2014/main" id="{B3EDE0F6-0509-ADCD-77CF-10A7A93A938C}"/>
+              </a:ext>
+            </a:extLst>
+          </p:cNvPr>
+          <p:cNvSpPr>
+            <a:spLocks noGrp="1"/>
+          </p:cNvSpPr>
+          <p:nvPr>
+            <p:ph type="sldNum" sz="quarter" idx="5"/>
+          </p:nvPr>
+        </p:nvSpPr>
+        <p:spPr/>
+        <p:txBody>
+          <a:bodyPr/>
+          <a:lstStyle/>
+          <a:p>
+            <a:fld id="{1E9F7178-10E6-4B08-A988-6735E72E923E}" type="slidenum">
+              <a:rPr lang="en-MY" smtClean="0"/>
+              <a:t>3</a:t>
+            </a:fld>
+            <a:endParaRPr lang="en-MY"/>
+          </a:p>
+        </p:txBody>
+      </p:sp>
+    </p:spTree>
+    <p:extLst>
+      <p:ext uri="{BB962C8B-B14F-4D97-AF65-F5344CB8AC3E}">
+        <p14:creationId xmlns:p14="http://schemas.microsoft.com/office/powerpoint/2010/main" val="121983532"/>
+      </p:ext>
+    </p:extLst>
+  </p:cSld>
+  <p:clrMapOvr>
+    <a:masterClrMapping/>
+  </p:clrMapOvr>
+</p:notes>
+</file>
+
+<file path=ppt/notesSlides/notesSlide4.xml><?xml version="1.0" encoding="utf-8"?>
+<p:notes xmlns:a="http://schemas.openxmlformats.org/drawingml/2006/main" xmlns:r="http://schemas.openxmlformats.org/officeDocument/2006/relationships" xmlns:p="http://schemas.openxmlformats.org/presentationml/2006/main">
+  <p:cSld>
+    <p:spTree>
+      <p:nvGrpSpPr>
+        <p:cNvPr id="1" name="">
+          <a:extLst>
+            <a:ext uri="{FF2B5EF4-FFF2-40B4-BE49-F238E27FC236}">
+              <a16:creationId xmlns:a16="http://schemas.microsoft.com/office/drawing/2014/main" id="{D7E935F8-853A-5DF4-412E-7BF0BC13AE90}"/>
+            </a:ext>
+          </a:extLst>
+        </p:cNvPr>
+        <p:cNvGrpSpPr/>
+        <p:nvPr/>
+      </p:nvGrpSpPr>
+      <p:grpSpPr>
+        <a:xfrm>
+          <a:off x="0" y="0"/>
+          <a:ext cx="0" cy="0"/>
+          <a:chOff x="0" y="0"/>
+          <a:chExt cx="0" cy="0"/>
+        </a:xfrm>
+      </p:grpSpPr>
+      <p:sp>
+        <p:nvSpPr>
+          <p:cNvPr id="2" name="Slide Image Placeholder 1">
+            <a:extLst>
+              <a:ext uri="{FF2B5EF4-FFF2-40B4-BE49-F238E27FC236}">
+                <a16:creationId xmlns:a16="http://schemas.microsoft.com/office/drawing/2014/main" id="{5D8F061D-37FB-ABD2-BAD5-7C5A970DE2EC}"/>
+              </a:ext>
+            </a:extLst>
+          </p:cNvPr>
+          <p:cNvSpPr>
+            <a:spLocks noGrp="1" noRot="1" noChangeAspect="1"/>
+          </p:cNvSpPr>
+          <p:nvPr>
+            <p:ph type="sldImg"/>
+          </p:nvPr>
+        </p:nvSpPr>
+        <p:spPr/>
+      </p:sp>
+      <mc:AlternateContent xmlns:mc="http://schemas.openxmlformats.org/markup-compatibility/2006">
+        <mc:Choice xmlns:a14="http://schemas.microsoft.com/office/drawing/2010/main" Requires="a14">
+          <p:sp>
+            <p:nvSpPr>
+              <p:cNvPr id="3" name="Notes Placeholder 2">
+                <a:extLst>
+                  <a:ext uri="{FF2B5EF4-FFF2-40B4-BE49-F238E27FC236}">
+                    <a16:creationId xmlns:a16="http://schemas.microsoft.com/office/drawing/2014/main" id="{72DBFF75-88A1-C454-3178-D7FD0F2D26A5}"/>
+                  </a:ext>
+                </a:extLst>
+              </p:cNvPr>
+              <p:cNvSpPr>
+                <a:spLocks noGrp="1"/>
+              </p:cNvSpPr>
+              <p:nvPr>
+                <p:ph type="body" idx="1"/>
+              </p:nvPr>
+            </p:nvSpPr>
+            <p:spPr/>
+            <p:txBody>
+              <a:bodyPr/>
+              <a:lstStyle/>
+              <a:p>
+                <a:r>
+                  <a:rPr lang="en-MY" dirty="0"/>
+                  <a:t>[</a:t>
+                </a:r>
+                <a:r>
+                  <a:rPr lang="en-US" dirty="0"/>
+                  <a:t>0.13mN towards </a:t>
+                </a:r>
+                <a14:m>
+                  <m:oMath xmlns:m="http://schemas.openxmlformats.org/officeDocument/2006/math">
+                    <m:sSub>
+                      <m:sSubPr>
+                        <m:ctrlPr>
+                          <a:rPr lang="en-US" b="0" i="1" smtClean="0">
+                            <a:latin typeface="Cambria Math" panose="02040503050406030204" pitchFamily="18" charset="0"/>
+                          </a:rPr>
+                        </m:ctrlPr>
+                      </m:sSubPr>
+                      <m:e>
+                        <m:r>
+                          <a:rPr lang="en-US" b="0" i="1" smtClean="0">
+                            <a:latin typeface="Cambria Math" panose="02040503050406030204" pitchFamily="18" charset="0"/>
+                          </a:rPr>
+                          <m:t>𝑄</m:t>
+                        </m:r>
+                      </m:e>
+                      <m:sub>
+                        <m:r>
+                          <a:rPr lang="en-US" b="0" i="1" smtClean="0">
+                            <a:latin typeface="Cambria Math" panose="02040503050406030204" pitchFamily="18" charset="0"/>
+                          </a:rPr>
+                          <m:t>2</m:t>
+                        </m:r>
+                      </m:sub>
+                    </m:sSub>
+                  </m:oMath>
+                </a14:m>
+                <a:r>
+                  <a:rPr lang="en-MY" dirty="0"/>
+                  <a:t>]</a:t>
+                </a:r>
+              </a:p>
+              <a:p>
+                <a:r>
+                  <a:rPr lang="en-MY" dirty="0"/>
+                  <a:t>[</a:t>
+                </a:r>
+                <a14:m>
+                  <m:oMath xmlns:m="http://schemas.openxmlformats.org/officeDocument/2006/math">
+                    <m:r>
+                      <a:rPr lang="en-US" b="0" i="1" smtClean="0">
+                        <a:latin typeface="Cambria Math" panose="02040503050406030204" pitchFamily="18" charset="0"/>
+                      </a:rPr>
+                      <m:t>4.92</m:t>
+                    </m:r>
+                    <m:r>
+                      <a:rPr lang="en-US" b="0" i="1" smtClean="0">
+                        <a:latin typeface="Cambria Math" panose="02040503050406030204" pitchFamily="18" charset="0"/>
+                      </a:rPr>
+                      <m:t>𝑘𝑁</m:t>
+                    </m:r>
+                    <m:sSup>
+                      <m:sSupPr>
+                        <m:ctrlPr>
+                          <a:rPr lang="en-US" b="0" i="1" smtClean="0">
+                            <a:latin typeface="Cambria Math" panose="02040503050406030204" pitchFamily="18" charset="0"/>
+                          </a:rPr>
+                        </m:ctrlPr>
+                      </m:sSupPr>
+                      <m:e>
+                        <m:r>
+                          <a:rPr lang="en-US" b="0" i="1" smtClean="0">
+                            <a:latin typeface="Cambria Math" panose="02040503050406030204" pitchFamily="18" charset="0"/>
+                          </a:rPr>
+                          <m:t>𝐶</m:t>
+                        </m:r>
+                      </m:e>
+                      <m:sup>
+                        <m:r>
+                          <a:rPr lang="en-US" b="0" i="1" smtClean="0">
+                            <a:latin typeface="Cambria Math" panose="02040503050406030204" pitchFamily="18" charset="0"/>
+                          </a:rPr>
+                          <m:t>−1</m:t>
+                        </m:r>
+                      </m:sup>
+                    </m:sSup>
+                  </m:oMath>
+                </a14:m>
+                <a:r>
+                  <a:rPr lang="en-MY" dirty="0"/>
+                  <a:t> to</a:t>
+                </a:r>
+                <a:r>
+                  <a:rPr lang="en-MY" baseline="0" dirty="0"/>
+                  <a:t> the right</a:t>
+                </a:r>
+                <a:r>
+                  <a:rPr lang="en-MY" dirty="0"/>
+                  <a:t>]</a:t>
+                </a:r>
+              </a:p>
+              <a:p>
+                <a:pPr marL="0" marR="0" lvl="0" indent="0" algn="l" defTabSz="914400" rtl="0" eaLnBrk="1" fontAlgn="auto" latinLnBrk="0" hangingPunct="1">
+                  <a:lnSpc>
+                    <a:spcPct val="100000"/>
+                  </a:lnSpc>
+                  <a:spcBef>
+                    <a:spcPts val="0"/>
+                  </a:spcBef>
+                  <a:spcAft>
+                    <a:spcPts val="0"/>
+                  </a:spcAft>
+                  <a:buClrTx/>
+                  <a:buSzTx/>
+                  <a:buFontTx/>
+                  <a:buNone/>
+                  <a:tabLst/>
+                  <a:defRPr/>
+                </a:pPr>
+                <a:r>
+                  <a:rPr lang="en-MY" dirty="0"/>
+                  <a:t>[</a:t>
+                </a:r>
+                <a14:m>
+                  <m:oMath xmlns:m="http://schemas.openxmlformats.org/officeDocument/2006/math">
+                    <m:r>
+                      <a:rPr lang="en-US" b="0" i="1" smtClean="0">
+                        <a:latin typeface="Cambria Math" panose="02040503050406030204" pitchFamily="18" charset="0"/>
+                      </a:rPr>
+                      <m:t>9.81</m:t>
+                    </m:r>
+                    <m:r>
+                      <a:rPr lang="en-US" b="0" i="1" smtClean="0">
+                        <a:latin typeface="Cambria Math" panose="02040503050406030204" pitchFamily="18" charset="0"/>
+                      </a:rPr>
+                      <m:t>𝑚𝑁</m:t>
+                    </m:r>
+                  </m:oMath>
+                </a14:m>
+                <a:r>
+                  <a:rPr lang="en-MY" dirty="0"/>
+                  <a:t> </a:t>
+                </a:r>
+                <a:r>
+                  <a:rPr lang="en-US" dirty="0"/>
+                  <a:t>to the right</a:t>
+                </a:r>
+                <a:r>
+                  <a:rPr lang="en-MY" dirty="0"/>
+                  <a:t>]</a:t>
+                </a:r>
+              </a:p>
+              <a:p>
+                <a:endParaRPr lang="en-MY" dirty="0"/>
+              </a:p>
+            </p:txBody>
+          </p:sp>
+        </mc:Choice>
+        <mc:Fallback>
+          <p:sp>
+            <p:nvSpPr>
+              <p:cNvPr id="3" name="Notes Placeholder 2">
+                <a:extLst>
+                  <a:ext uri="{FF2B5EF4-FFF2-40B4-BE49-F238E27FC236}">
+                    <a16:creationId xmlns:a16="http://schemas.microsoft.com/office/drawing/2014/main" id="{72DBFF75-88A1-C454-3178-D7FD0F2D26A5}"/>
+                  </a:ext>
+                </a:extLst>
+              </p:cNvPr>
+              <p:cNvSpPr>
+                <a:spLocks noGrp="1"/>
+              </p:cNvSpPr>
+              <p:nvPr>
+                <p:ph type="body" idx="1"/>
+              </p:nvPr>
+            </p:nvSpPr>
+            <p:spPr/>
+            <p:txBody>
+              <a:bodyPr/>
+              <a:lstStyle/>
+              <a:p>
+                <a:r>
+                  <a:rPr lang="en-MY" dirty="0"/>
+                  <a:t>[</a:t>
+                </a:r>
+                <a:r>
+                  <a:rPr lang="en-US" dirty="0"/>
+                  <a:t>0.13mN towards </a:t>
+                </a:r>
+                <a:r>
+                  <a:rPr lang="en-US" b="0" i="0">
+                    <a:latin typeface="Cambria Math" panose="02040503050406030204" pitchFamily="18" charset="0"/>
+                  </a:rPr>
+                  <a:t>𝑄_2</a:t>
+                </a:r>
+                <a:r>
+                  <a:rPr lang="en-MY" dirty="0"/>
+                  <a:t>]</a:t>
+                </a:r>
+              </a:p>
+              <a:p>
+                <a:r>
+                  <a:rPr lang="en-MY" dirty="0"/>
+                  <a:t>[</a:t>
+                </a:r>
+                <a:r>
+                  <a:rPr lang="en-US" b="0" i="0">
+                    <a:latin typeface="Cambria Math" panose="02040503050406030204" pitchFamily="18" charset="0"/>
+                  </a:rPr>
+                  <a:t>4.92𝑘𝑁𝐶^(−1)</a:t>
+                </a:r>
+                <a:r>
+                  <a:rPr lang="en-MY" dirty="0"/>
+                  <a:t> to</a:t>
+                </a:r>
+                <a:r>
+                  <a:rPr lang="en-MY" baseline="0" dirty="0"/>
+                  <a:t> the right</a:t>
+                </a:r>
+                <a:r>
+                  <a:rPr lang="en-MY" dirty="0"/>
+                  <a:t>]</a:t>
+                </a:r>
+              </a:p>
+              <a:p>
+                <a:pPr marL="0" marR="0" lvl="0" indent="0" algn="l" defTabSz="914400" rtl="0" eaLnBrk="1" fontAlgn="auto" latinLnBrk="0" hangingPunct="1">
+                  <a:lnSpc>
+                    <a:spcPct val="100000"/>
+                  </a:lnSpc>
+                  <a:spcBef>
+                    <a:spcPts val="0"/>
+                  </a:spcBef>
+                  <a:spcAft>
+                    <a:spcPts val="0"/>
+                  </a:spcAft>
+                  <a:buClrTx/>
+                  <a:buSzTx/>
+                  <a:buFontTx/>
+                  <a:buNone/>
+                  <a:tabLst/>
+                  <a:defRPr/>
+                </a:pPr>
+                <a:r>
+                  <a:rPr lang="en-MY" dirty="0"/>
+                  <a:t>[</a:t>
+                </a:r>
+                <a:r>
+                  <a:rPr lang="en-US" b="0" i="0">
+                    <a:latin typeface="Cambria Math" panose="02040503050406030204" pitchFamily="18" charset="0"/>
+                  </a:rPr>
+                  <a:t>9.81𝑚𝑁</a:t>
+                </a:r>
+                <a:r>
+                  <a:rPr lang="en-MY" dirty="0"/>
+                  <a:t> </a:t>
+                </a:r>
+                <a:r>
+                  <a:rPr lang="en-US" dirty="0"/>
+                  <a:t>to the right</a:t>
+                </a:r>
+                <a:r>
+                  <a:rPr lang="en-MY" dirty="0"/>
+                  <a:t>]</a:t>
+                </a:r>
+              </a:p>
+              <a:p>
+                <a:endParaRPr lang="en-MY" dirty="0"/>
+              </a:p>
+            </p:txBody>
+          </p:sp>
+        </mc:Fallback>
+      </mc:AlternateContent>
+      <p:sp>
+        <p:nvSpPr>
+          <p:cNvPr id="4" name="Slide Number Placeholder 3">
+            <a:extLst>
+              <a:ext uri="{FF2B5EF4-FFF2-40B4-BE49-F238E27FC236}">
+                <a16:creationId xmlns:a16="http://schemas.microsoft.com/office/drawing/2014/main" id="{8A3C722C-B62A-97AA-256D-1EDC22F7A931}"/>
+              </a:ext>
+            </a:extLst>
+          </p:cNvPr>
+          <p:cNvSpPr>
+            <a:spLocks noGrp="1"/>
+          </p:cNvSpPr>
+          <p:nvPr>
+            <p:ph type="sldNum" sz="quarter" idx="5"/>
+          </p:nvPr>
+        </p:nvSpPr>
+        <p:spPr/>
+        <p:txBody>
+          <a:bodyPr/>
+          <a:lstStyle/>
+          <a:p>
+            <a:fld id="{1E9F7178-10E6-4B08-A988-6735E72E923E}" type="slidenum">
+              <a:rPr lang="en-MY" smtClean="0"/>
+              <a:t>4</a:t>
+            </a:fld>
+            <a:endParaRPr lang="en-MY"/>
+          </a:p>
+        </p:txBody>
+      </p:sp>
+    </p:spTree>
+    <p:extLst>
+      <p:ext uri="{BB962C8B-B14F-4D97-AF65-F5344CB8AC3E}">
+        <p14:creationId xmlns:p14="http://schemas.microsoft.com/office/powerpoint/2010/main" val="276322685"/>
+      </p:ext>
+    </p:extLst>
+  </p:cSld>
+  <p:clrMapOvr>
+    <a:masterClrMapping/>
+  </p:clrMapOvr>
+</p:notes>
+</file>
+
+<file path=ppt/notesSlides/notesSlide5.xml><?xml version="1.0" encoding="utf-8"?>
+<p:notes xmlns:a="http://schemas.openxmlformats.org/drawingml/2006/main" xmlns:r="http://schemas.openxmlformats.org/officeDocument/2006/relationships" xmlns:p="http://schemas.openxmlformats.org/presentationml/2006/main">
+  <p:cSld>
+    <p:spTree>
+      <p:nvGrpSpPr>
+        <p:cNvPr id="1" name="">
+          <a:extLst>
+            <a:ext uri="{FF2B5EF4-FFF2-40B4-BE49-F238E27FC236}">
+              <a16:creationId xmlns:a16="http://schemas.microsoft.com/office/drawing/2014/main" id="{99CC2AA3-5671-04BB-1526-54BD1F3C5A9A}"/>
+            </a:ext>
+          </a:extLst>
+        </p:cNvPr>
+        <p:cNvGrpSpPr/>
+        <p:nvPr/>
+      </p:nvGrpSpPr>
+      <p:grpSpPr>
+        <a:xfrm>
+          <a:off x="0" y="0"/>
+          <a:ext cx="0" cy="0"/>
+          <a:chOff x="0" y="0"/>
+          <a:chExt cx="0" cy="0"/>
+        </a:xfrm>
+      </p:grpSpPr>
+      <p:sp>
+        <p:nvSpPr>
+          <p:cNvPr id="2" name="Slide Image Placeholder 1">
+            <a:extLst>
+              <a:ext uri="{FF2B5EF4-FFF2-40B4-BE49-F238E27FC236}">
+                <a16:creationId xmlns:a16="http://schemas.microsoft.com/office/drawing/2014/main" id="{013F712B-279A-3D2C-1BAD-D976A756FECF}"/>
+              </a:ext>
+            </a:extLst>
+          </p:cNvPr>
+          <p:cNvSpPr>
+            <a:spLocks noGrp="1" noRot="1" noChangeAspect="1"/>
+          </p:cNvSpPr>
+          <p:nvPr>
+            <p:ph type="sldImg"/>
+          </p:nvPr>
+        </p:nvSpPr>
+        <p:spPr/>
+      </p:sp>
+      <mc:AlternateContent xmlns:mc="http://schemas.openxmlformats.org/markup-compatibility/2006">
+        <mc:Choice xmlns:a14="http://schemas.microsoft.com/office/drawing/2010/main" Requires="a14">
+          <p:sp>
+            <p:nvSpPr>
+              <p:cNvPr id="3" name="Notes Placeholder 2">
+                <a:extLst>
+                  <a:ext uri="{FF2B5EF4-FFF2-40B4-BE49-F238E27FC236}">
+                    <a16:creationId xmlns:a16="http://schemas.microsoft.com/office/drawing/2014/main" id="{220948B3-004B-0215-87BA-3B9F08AB2602}"/>
+                  </a:ext>
+                </a:extLst>
+              </p:cNvPr>
+              <p:cNvSpPr>
+                <a:spLocks noGrp="1"/>
+              </p:cNvSpPr>
+              <p:nvPr>
+                <p:ph type="body" idx="1"/>
+              </p:nvPr>
+            </p:nvSpPr>
+            <p:spPr/>
+            <p:txBody>
+              <a:bodyPr/>
+              <a:lstStyle/>
+              <a:p>
+                <a:r>
+                  <a:rPr lang="en-MY" dirty="0"/>
+                  <a:t>[</a:t>
+                </a:r>
+                <a:r>
+                  <a:rPr lang="en-US" dirty="0"/>
+                  <a:t>0.864N towards </a:t>
+                </a:r>
+                <a14:m>
+                  <m:oMath xmlns:m="http://schemas.openxmlformats.org/officeDocument/2006/math">
+                    <m:sSub>
+                      <m:sSubPr>
+                        <m:ctrlPr>
+                          <a:rPr lang="en-US" b="0" i="1" smtClean="0">
+                            <a:latin typeface="Cambria Math" panose="02040503050406030204" pitchFamily="18" charset="0"/>
+                          </a:rPr>
+                        </m:ctrlPr>
+                      </m:sSubPr>
+                      <m:e>
+                        <m:r>
+                          <a:rPr lang="en-US" b="0" i="1" smtClean="0">
+                            <a:latin typeface="Cambria Math" panose="02040503050406030204" pitchFamily="18" charset="0"/>
+                          </a:rPr>
+                          <m:t>𝑄</m:t>
+                        </m:r>
+                      </m:e>
+                      <m:sub>
+                        <m:r>
+                          <a:rPr lang="en-US" b="0" i="1" smtClean="0">
+                            <a:latin typeface="Cambria Math" panose="02040503050406030204" pitchFamily="18" charset="0"/>
+                          </a:rPr>
+                          <m:t>1</m:t>
+                        </m:r>
+                      </m:sub>
+                    </m:sSub>
+                  </m:oMath>
+                </a14:m>
+                <a:r>
+                  <a:rPr lang="en-MY" dirty="0"/>
+                  <a:t>]</a:t>
+                </a:r>
+              </a:p>
+              <a:p>
+                <a:r>
+                  <a:rPr lang="en-MY" dirty="0"/>
+                  <a:t>[</a:t>
+                </a:r>
+                <a14:m>
+                  <m:oMath xmlns:m="http://schemas.openxmlformats.org/officeDocument/2006/math">
+                    <m:r>
+                      <a:rPr lang="en-US" b="0" i="1" smtClean="0">
+                        <a:latin typeface="Cambria Math" panose="02040503050406030204" pitchFamily="18" charset="0"/>
+                      </a:rPr>
+                      <m:t>−1.58×</m:t>
+                    </m:r>
+                    <m:sSup>
+                      <m:sSupPr>
+                        <m:ctrlPr>
+                          <a:rPr lang="en-US" b="0" i="1" smtClean="0">
+                            <a:latin typeface="Cambria Math" panose="02040503050406030204" pitchFamily="18" charset="0"/>
+                          </a:rPr>
+                        </m:ctrlPr>
+                      </m:sSupPr>
+                      <m:e>
+                        <m:r>
+                          <a:rPr lang="en-US" b="0" i="1" smtClean="0">
+                            <a:latin typeface="Cambria Math" panose="02040503050406030204" pitchFamily="18" charset="0"/>
+                          </a:rPr>
+                          <m:t>10</m:t>
+                        </m:r>
+                      </m:e>
+                      <m:sup>
+                        <m:r>
+                          <a:rPr lang="en-US" b="0" i="1" smtClean="0">
+                            <a:latin typeface="Cambria Math" panose="02040503050406030204" pitchFamily="18" charset="0"/>
+                          </a:rPr>
+                          <m:t>6</m:t>
+                        </m:r>
+                      </m:sup>
+                    </m:sSup>
+                    <m:r>
+                      <a:rPr lang="en-US" b="0" i="1" smtClean="0">
+                        <a:latin typeface="Cambria Math" panose="02040503050406030204" pitchFamily="18" charset="0"/>
+                      </a:rPr>
+                      <m:t>𝑁</m:t>
+                    </m:r>
+                    <m:sSup>
+                      <m:sSupPr>
+                        <m:ctrlPr>
+                          <a:rPr lang="en-US" b="0" i="1" smtClean="0">
+                            <a:latin typeface="Cambria Math" panose="02040503050406030204" pitchFamily="18" charset="0"/>
+                          </a:rPr>
+                        </m:ctrlPr>
+                      </m:sSupPr>
+                      <m:e>
+                        <m:r>
+                          <a:rPr lang="en-US" b="0" i="1" smtClean="0">
+                            <a:latin typeface="Cambria Math" panose="02040503050406030204" pitchFamily="18" charset="0"/>
+                          </a:rPr>
+                          <m:t>𝐶</m:t>
+                        </m:r>
+                      </m:e>
+                      <m:sup>
+                        <m:r>
+                          <a:rPr lang="en-US" b="0" i="1" smtClean="0">
+                            <a:latin typeface="Cambria Math" panose="02040503050406030204" pitchFamily="18" charset="0"/>
+                          </a:rPr>
+                          <m:t>−1</m:t>
+                        </m:r>
+                      </m:sup>
+                    </m:sSup>
+                  </m:oMath>
+                </a14:m>
+                <a:r>
+                  <a:rPr lang="en-MY" dirty="0"/>
+                  <a:t> </a:t>
+                </a:r>
+                <a:r>
+                  <a:rPr lang="en-US" dirty="0"/>
+                  <a:t>towards </a:t>
+                </a:r>
+                <a14:m>
+                  <m:oMath xmlns:m="http://schemas.openxmlformats.org/officeDocument/2006/math">
+                    <m:sSub>
+                      <m:sSubPr>
+                        <m:ctrlPr>
+                          <a:rPr lang="en-US" b="0" i="1" smtClean="0">
+                            <a:latin typeface="Cambria Math" panose="02040503050406030204" pitchFamily="18" charset="0"/>
+                          </a:rPr>
+                        </m:ctrlPr>
+                      </m:sSubPr>
+                      <m:e>
+                        <m:r>
+                          <a:rPr lang="en-US" b="0" i="1" smtClean="0">
+                            <a:latin typeface="Cambria Math" panose="02040503050406030204" pitchFamily="18" charset="0"/>
+                          </a:rPr>
+                          <m:t>𝑄</m:t>
+                        </m:r>
+                      </m:e>
+                      <m:sub>
+                        <m:r>
+                          <a:rPr lang="en-US" b="0" i="1" smtClean="0">
+                            <a:latin typeface="Cambria Math" panose="02040503050406030204" pitchFamily="18" charset="0"/>
+                          </a:rPr>
+                          <m:t>1</m:t>
+                        </m:r>
+                      </m:sub>
+                    </m:sSub>
+                  </m:oMath>
+                </a14:m>
+                <a:r>
+                  <a:rPr lang="en-MY" dirty="0"/>
+                  <a:t>]</a:t>
+                </a:r>
+              </a:p>
+              <a:p>
+                <a:r>
+                  <a:rPr lang="en-MY" dirty="0"/>
+                  <a:t>[69.2kV]</a:t>
+                </a:r>
+              </a:p>
+            </p:txBody>
+          </p:sp>
+        </mc:Choice>
+        <mc:Fallback>
+          <p:sp>
+            <p:nvSpPr>
+              <p:cNvPr id="3" name="Notes Placeholder 2">
+                <a:extLst>
+                  <a:ext uri="{FF2B5EF4-FFF2-40B4-BE49-F238E27FC236}">
+                    <a16:creationId xmlns:a16="http://schemas.microsoft.com/office/drawing/2014/main" id="{220948B3-004B-0215-87BA-3B9F08AB2602}"/>
+                  </a:ext>
+                </a:extLst>
+              </p:cNvPr>
+              <p:cNvSpPr>
+                <a:spLocks noGrp="1"/>
+              </p:cNvSpPr>
+              <p:nvPr>
+                <p:ph type="body" idx="1"/>
+              </p:nvPr>
+            </p:nvSpPr>
+            <p:spPr/>
+            <p:txBody>
+              <a:bodyPr/>
+              <a:lstStyle/>
+              <a:p>
+                <a:r>
+                  <a:rPr lang="en-MY" dirty="0"/>
+                  <a:t>[</a:t>
+                </a:r>
+                <a:r>
+                  <a:rPr lang="en-US" dirty="0"/>
+                  <a:t>0.864N towards </a:t>
+                </a:r>
+                <a:r>
+                  <a:rPr lang="en-US" b="0" i="0">
+                    <a:latin typeface="Cambria Math" panose="02040503050406030204" pitchFamily="18" charset="0"/>
+                  </a:rPr>
+                  <a:t>𝑄_1</a:t>
+                </a:r>
+                <a:r>
+                  <a:rPr lang="en-MY" dirty="0"/>
+                  <a:t>]</a:t>
+                </a:r>
+              </a:p>
+              <a:p>
+                <a:r>
+                  <a:rPr lang="en-MY" dirty="0"/>
+                  <a:t>[</a:t>
+                </a:r>
+                <a:r>
+                  <a:rPr lang="en-US" b="0" i="0">
+                    <a:latin typeface="Cambria Math" panose="02040503050406030204" pitchFamily="18" charset="0"/>
+                  </a:rPr>
+                  <a:t>−1.58×10^6 𝑁𝐶^(−1)</a:t>
+                </a:r>
+                <a:r>
+                  <a:rPr lang="en-MY" dirty="0"/>
+                  <a:t> </a:t>
+                </a:r>
+                <a:r>
+                  <a:rPr lang="en-US" dirty="0"/>
+                  <a:t>towards </a:t>
+                </a:r>
+                <a:r>
+                  <a:rPr lang="en-US" b="0" i="0">
+                    <a:latin typeface="Cambria Math" panose="02040503050406030204" pitchFamily="18" charset="0"/>
+                  </a:rPr>
+                  <a:t>𝑄_1</a:t>
+                </a:r>
+                <a:r>
+                  <a:rPr lang="en-MY" dirty="0"/>
+                  <a:t>]</a:t>
+                </a:r>
+              </a:p>
+              <a:p>
+                <a:r>
+                  <a:rPr lang="en-MY" dirty="0"/>
+                  <a:t>[69.2kV]</a:t>
+                </a:r>
+              </a:p>
+            </p:txBody>
+          </p:sp>
+        </mc:Fallback>
+      </mc:AlternateContent>
+      <p:sp>
+        <p:nvSpPr>
+          <p:cNvPr id="4" name="Slide Number Placeholder 3">
+            <a:extLst>
+              <a:ext uri="{FF2B5EF4-FFF2-40B4-BE49-F238E27FC236}">
+                <a16:creationId xmlns:a16="http://schemas.microsoft.com/office/drawing/2014/main" id="{9D186A8D-9185-52DE-835B-A021D3F826CD}"/>
+              </a:ext>
+            </a:extLst>
+          </p:cNvPr>
+          <p:cNvSpPr>
+            <a:spLocks noGrp="1"/>
+          </p:cNvSpPr>
+          <p:nvPr>
+            <p:ph type="sldNum" sz="quarter" idx="5"/>
+          </p:nvPr>
+        </p:nvSpPr>
+        <p:spPr/>
+        <p:txBody>
+          <a:bodyPr/>
+          <a:lstStyle/>
+          <a:p>
+            <a:fld id="{1E9F7178-10E6-4B08-A988-6735E72E923E}" type="slidenum">
+              <a:rPr lang="en-MY" smtClean="0"/>
+              <a:t>5</a:t>
+            </a:fld>
+            <a:endParaRPr lang="en-MY"/>
+          </a:p>
+        </p:txBody>
+      </p:sp>
+    </p:spTree>
+    <p:extLst>
+      <p:ext uri="{BB962C8B-B14F-4D97-AF65-F5344CB8AC3E}">
+        <p14:creationId xmlns:p14="http://schemas.microsoft.com/office/powerpoint/2010/main" val="4135405372"/>
+      </p:ext>
+    </p:extLst>
+  </p:cSld>
+  <p:clrMapOvr>
+    <a:masterClrMapping/>
+  </p:clrMapOvr>
+</p:notes>
+</file>
+
 <file path=ppt/slideLayouts/slideLayout1.xml><?xml version="1.0" encoding="utf-8"?>
 <p:sldLayout xmlns:a="http://schemas.openxmlformats.org/drawingml/2006/main" xmlns:r="http://schemas.openxmlformats.org/officeDocument/2006/relationships" xmlns:p="http://schemas.openxmlformats.org/presentationml/2006/main" type="title" preserve="1">
   <p:cSld name="Title Slide">
@@ -847,7 +2185,7 @@
           <a:p>
             <a:fld id="{1C12018E-1D6F-4112-AB1F-E258A5F3D156}" type="datetimeFigureOut">
               <a:rPr lang="en-MY" smtClean="0"/>
-              <a:t>21/3/2025</a:t>
+              <a:t>23/3/2025</a:t>
             </a:fld>
             <a:endParaRPr lang="en-MY"/>
           </a:p>
@@ -1017,7 +2355,7 @@
           <a:p>
             <a:fld id="{1C12018E-1D6F-4112-AB1F-E258A5F3D156}" type="datetimeFigureOut">
               <a:rPr lang="en-MY" smtClean="0"/>
-              <a:t>21/3/2025</a:t>
+              <a:t>23/3/2025</a:t>
             </a:fld>
             <a:endParaRPr lang="en-MY"/>
           </a:p>
@@ -1197,7 +2535,7 @@
           <a:p>
             <a:fld id="{1C12018E-1D6F-4112-AB1F-E258A5F3D156}" type="datetimeFigureOut">
               <a:rPr lang="en-MY" smtClean="0"/>
-              <a:t>21/3/2025</a:t>
+              <a:t>23/3/2025</a:t>
             </a:fld>
             <a:endParaRPr lang="en-MY"/>
           </a:p>
@@ -1367,7 +2705,7 @@
           <a:p>
             <a:fld id="{1C12018E-1D6F-4112-AB1F-E258A5F3D156}" type="datetimeFigureOut">
               <a:rPr lang="en-MY" smtClean="0"/>
-              <a:t>21/3/2025</a:t>
+              <a:t>23/3/2025</a:t>
             </a:fld>
             <a:endParaRPr lang="en-MY"/>
           </a:p>
@@ -1611,7 +2949,7 @@
           <a:p>
             <a:fld id="{1C12018E-1D6F-4112-AB1F-E258A5F3D156}" type="datetimeFigureOut">
               <a:rPr lang="en-MY" smtClean="0"/>
-              <a:t>21/3/2025</a:t>
+              <a:t>23/3/2025</a:t>
             </a:fld>
             <a:endParaRPr lang="en-MY"/>
           </a:p>
@@ -1843,7 +3181,7 @@
           <a:p>
             <a:fld id="{1C12018E-1D6F-4112-AB1F-E258A5F3D156}" type="datetimeFigureOut">
               <a:rPr lang="en-MY" smtClean="0"/>
-              <a:t>21/3/2025</a:t>
+              <a:t>23/3/2025</a:t>
             </a:fld>
             <a:endParaRPr lang="en-MY"/>
           </a:p>
@@ -2210,7 +3548,7 @@
           <a:p>
             <a:fld id="{1C12018E-1D6F-4112-AB1F-E258A5F3D156}" type="datetimeFigureOut">
               <a:rPr lang="en-MY" smtClean="0"/>
-              <a:t>21/3/2025</a:t>
+              <a:t>23/3/2025</a:t>
             </a:fld>
             <a:endParaRPr lang="en-MY"/>
           </a:p>
@@ -2328,7 +3666,7 @@
           <a:p>
             <a:fld id="{1C12018E-1D6F-4112-AB1F-E258A5F3D156}" type="datetimeFigureOut">
               <a:rPr lang="en-MY" smtClean="0"/>
-              <a:t>21/3/2025</a:t>
+              <a:t>23/3/2025</a:t>
             </a:fld>
             <a:endParaRPr lang="en-MY"/>
           </a:p>
@@ -2423,7 +3761,7 @@
           <a:p>
             <a:fld id="{1C12018E-1D6F-4112-AB1F-E258A5F3D156}" type="datetimeFigureOut">
               <a:rPr lang="en-MY" smtClean="0"/>
-              <a:t>21/3/2025</a:t>
+              <a:t>23/3/2025</a:t>
             </a:fld>
             <a:endParaRPr lang="en-MY"/>
           </a:p>
@@ -2700,7 +4038,7 @@
           <a:p>
             <a:fld id="{1C12018E-1D6F-4112-AB1F-E258A5F3D156}" type="datetimeFigureOut">
               <a:rPr lang="en-MY" smtClean="0"/>
-              <a:t>21/3/2025</a:t>
+              <a:t>23/3/2025</a:t>
             </a:fld>
             <a:endParaRPr lang="en-MY"/>
           </a:p>
@@ -2957,7 +4295,7 @@
           <a:p>
             <a:fld id="{1C12018E-1D6F-4112-AB1F-E258A5F3D156}" type="datetimeFigureOut">
               <a:rPr lang="en-MY" smtClean="0"/>
-              <a:t>21/3/2025</a:t>
+              <a:t>23/3/2025</a:t>
             </a:fld>
             <a:endParaRPr lang="en-MY"/>
           </a:p>
@@ -3170,7 +4508,7 @@
           <a:p>
             <a:fld id="{1C12018E-1D6F-4112-AB1F-E258A5F3D156}" type="datetimeFigureOut">
               <a:rPr lang="en-MY" smtClean="0"/>
-              <a:t>21/3/2025</a:t>
+              <a:t>23/3/2025</a:t>
             </a:fld>
             <a:endParaRPr lang="en-MY"/>
           </a:p>
@@ -3575,38 +4913,8 @@
           <a:chExt cx="0" cy="0"/>
         </a:xfrm>
       </p:grpSpPr>
-      <p:pic>
-        <p:nvPicPr>
-          <p:cNvPr id="3" name="Picture 2">
-            <a:extLst>
-              <a:ext uri="{FF2B5EF4-FFF2-40B4-BE49-F238E27FC236}">
-                <a16:creationId xmlns:a16="http://schemas.microsoft.com/office/drawing/2014/main" id="{EA01C058-6566-7A5F-2C53-48D1650AD318}"/>
-              </a:ext>
-            </a:extLst>
-          </p:cNvPr>
-          <p:cNvPicPr>
-            <a:picLocks noChangeAspect="1"/>
-          </p:cNvPicPr>
-          <p:nvPr/>
-        </p:nvPicPr>
-        <p:blipFill>
-          <a:blip r:embed="rId3"/>
-          <a:stretch>
-            <a:fillRect/>
-          </a:stretch>
-        </p:blipFill>
-        <p:spPr>
-          <a:xfrm rot="5400000">
-            <a:off x="-322186" y="352024"/>
-            <a:ext cx="6858003" cy="6153951"/>
-          </a:xfrm>
-          <a:prstGeom prst="rect">
-            <a:avLst/>
-          </a:prstGeom>
-        </p:spPr>
-      </p:pic>
-      <mc:AlternateContent xmlns:mc="http://schemas.openxmlformats.org/markup-compatibility/2006">
-        <mc:Choice xmlns:a14="http://schemas.microsoft.com/office/drawing/2010/main" Requires="a14">
+      <mc:AlternateContent xmlns:mc="http://schemas.openxmlformats.org/markup-compatibility/2006" xmlns:a14="http://schemas.microsoft.com/office/drawing/2010/main">
+        <mc:Choice Requires="a14">
           <p:sp>
             <p:nvSpPr>
               <p:cNvPr id="5" name="TextBox 4">
@@ -3796,7 +5104,7 @@
             </p:txBody>
           </p:sp>
         </mc:Choice>
-        <mc:Fallback>
+        <mc:Fallback xmlns="">
           <p:sp>
             <p:nvSpPr>
               <p:cNvPr id="5" name="TextBox 4">
@@ -3841,6 +5149,36 @@
           </p:sp>
         </mc:Fallback>
       </mc:AlternateContent>
+      <p:pic>
+        <p:nvPicPr>
+          <p:cNvPr id="4" name="Picture 3">
+            <a:extLst>
+              <a:ext uri="{FF2B5EF4-FFF2-40B4-BE49-F238E27FC236}">
+                <a16:creationId xmlns:a16="http://schemas.microsoft.com/office/drawing/2014/main" id="{13C3CC56-7F85-63C6-F741-6A692C7FC8D1}"/>
+              </a:ext>
+            </a:extLst>
+          </p:cNvPr>
+          <p:cNvPicPr>
+            <a:picLocks noChangeAspect="1"/>
+          </p:cNvPicPr>
+          <p:nvPr/>
+        </p:nvPicPr>
+        <p:blipFill>
+          <a:blip r:embed="rId5"/>
+          <a:stretch>
+            <a:fillRect/>
+          </a:stretch>
+        </p:blipFill>
+        <p:spPr>
+          <a:xfrm rot="5400000">
+            <a:off x="-409517" y="409516"/>
+            <a:ext cx="6753668" cy="5934635"/>
+          </a:xfrm>
+          <a:prstGeom prst="rect">
+            <a:avLst/>
+          </a:prstGeom>
+        </p:spPr>
+      </p:pic>
     </p:spTree>
     <p:extLst>
       <p:ext uri="{BB962C8B-B14F-4D97-AF65-F5344CB8AC3E}">
@@ -3859,7 +5197,13 @@
   <p:cSld>
     <p:spTree>
       <p:nvGrpSpPr>
-        <p:cNvPr id="1" name=""/>
+        <p:cNvPr id="1" name="">
+          <a:extLst>
+            <a:ext uri="{FF2B5EF4-FFF2-40B4-BE49-F238E27FC236}">
+              <a16:creationId xmlns:a16="http://schemas.microsoft.com/office/drawing/2014/main" id="{7C5077BC-1667-8B8B-A8BA-3C6E9232C881}"/>
+            </a:ext>
+          </a:extLst>
+        </p:cNvPr>
         <p:cNvGrpSpPr/>
         <p:nvPr/>
       </p:nvGrpSpPr>
@@ -3873,10 +5217,10 @@
       </p:grpSpPr>
       <p:pic>
         <p:nvPicPr>
-          <p:cNvPr id="5" name="Picture 4">
+          <p:cNvPr id="4" name="Picture 3">
             <a:extLst>
               <a:ext uri="{FF2B5EF4-FFF2-40B4-BE49-F238E27FC236}">
-                <a16:creationId xmlns:a16="http://schemas.microsoft.com/office/drawing/2014/main" id="{BB5A21A4-4408-7960-87A9-7A154B6D0194}"/>
+                <a16:creationId xmlns:a16="http://schemas.microsoft.com/office/drawing/2014/main" id="{AD2B8347-577B-E43E-D23D-0C0D20E2CEDF}"/>
               </a:ext>
             </a:extLst>
           </p:cNvPr>
@@ -3886,25 +5230,233 @@
           <p:nvPr/>
         </p:nvPicPr>
         <p:blipFill>
-          <a:blip r:embed="rId2"/>
+          <a:blip r:embed="rId3"/>
           <a:stretch>
             <a:fillRect/>
           </a:stretch>
         </p:blipFill>
         <p:spPr>
           <a:xfrm rot="5400000">
-            <a:off x="466582" y="-466582"/>
-            <a:ext cx="5924836" cy="6858000"/>
+            <a:off x="411936" y="461772"/>
+            <a:ext cx="5110584" cy="5934456"/>
           </a:xfrm>
           <a:prstGeom prst="rect">
             <a:avLst/>
           </a:prstGeom>
         </p:spPr>
       </p:pic>
+      <mc:AlternateContent xmlns:mc="http://schemas.openxmlformats.org/markup-compatibility/2006">
+        <mc:Choice xmlns:a14="http://schemas.microsoft.com/office/drawing/2010/main" Requires="a14">
+          <p:sp>
+            <p:nvSpPr>
+              <p:cNvPr id="7" name="TextBox 6">
+                <a:extLst>
+                  <a:ext uri="{FF2B5EF4-FFF2-40B4-BE49-F238E27FC236}">
+                    <a16:creationId xmlns:a16="http://schemas.microsoft.com/office/drawing/2014/main" id="{25D8129B-C418-04ED-689E-93C411196E7D}"/>
+                  </a:ext>
+                </a:extLst>
+              </p:cNvPr>
+              <p:cNvSpPr txBox="1"/>
+              <p:nvPr/>
+            </p:nvSpPr>
+            <p:spPr>
+              <a:xfrm>
+                <a:off x="6432177" y="5384127"/>
+                <a:ext cx="3473823" cy="1200329"/>
+              </a:xfrm>
+              <a:prstGeom prst="rect">
+                <a:avLst/>
+              </a:prstGeom>
+              <a:noFill/>
+            </p:spPr>
+            <p:txBody>
+              <a:bodyPr wrap="square">
+                <a:spAutoFit/>
+              </a:bodyPr>
+              <a:lstStyle/>
+              <a:p>
+                <a:r>
+                  <a:rPr lang="en-MY" b="1" dirty="0"/>
+                  <a:t>[{</a:t>
+                </a:r>
+                <a14:m>
+                  <m:oMath xmlns:m="http://schemas.openxmlformats.org/officeDocument/2006/math">
+                    <m:r>
+                      <a:rPr lang="en-US" b="1" i="1" smtClean="0">
+                        <a:latin typeface="Cambria Math" panose="02040503050406030204" pitchFamily="18" charset="0"/>
+                      </a:rPr>
+                      <m:t>𝟖𝟔𝟎</m:t>
+                    </m:r>
+                    <m:r>
+                      <a:rPr lang="en-US" b="1" i="1" smtClean="0">
+                        <a:latin typeface="Cambria Math" panose="02040503050406030204" pitchFamily="18" charset="0"/>
+                      </a:rPr>
+                      <m:t>𝒌𝑵</m:t>
+                    </m:r>
+                    <m:sSup>
+                      <m:sSupPr>
+                        <m:ctrlPr>
+                          <a:rPr lang="en-US" b="1" i="1" smtClean="0">
+                            <a:latin typeface="Cambria Math" panose="02040503050406030204" pitchFamily="18" charset="0"/>
+                          </a:rPr>
+                        </m:ctrlPr>
+                      </m:sSupPr>
+                      <m:e>
+                        <m:r>
+                          <a:rPr lang="en-US" b="1" i="1" smtClean="0">
+                            <a:latin typeface="Cambria Math" panose="02040503050406030204" pitchFamily="18" charset="0"/>
+                          </a:rPr>
+                          <m:t>𝑪</m:t>
+                        </m:r>
+                      </m:e>
+                      <m:sup>
+                        <m:r>
+                          <a:rPr lang="en-US" b="1" i="1" smtClean="0">
+                            <a:latin typeface="Cambria Math" panose="02040503050406030204" pitchFamily="18" charset="0"/>
+                          </a:rPr>
+                          <m:t>−</m:t>
+                        </m:r>
+                        <m:r>
+                          <a:rPr lang="en-US" b="1" i="1" smtClean="0">
+                            <a:latin typeface="Cambria Math" panose="02040503050406030204" pitchFamily="18" charset="0"/>
+                          </a:rPr>
+                          <m:t>𝟏</m:t>
+                        </m:r>
+                      </m:sup>
+                    </m:sSup>
+                  </m:oMath>
+                </a14:m>
+                <a:r>
+                  <a:rPr lang="en-MY" b="1" dirty="0"/>
+                  <a:t>, 0.52N} at </a:t>
+                </a:r>
+                <a14:m>
+                  <m:oMath xmlns:m="http://schemas.openxmlformats.org/officeDocument/2006/math">
+                    <m:sSup>
+                      <m:sSupPr>
+                        <m:ctrlPr>
+                          <a:rPr lang="en-US" b="1" i="1" smtClean="0">
+                            <a:latin typeface="Cambria Math" panose="02040503050406030204" pitchFamily="18" charset="0"/>
+                          </a:rPr>
+                        </m:ctrlPr>
+                      </m:sSupPr>
+                      <m:e>
+                        <m:r>
+                          <a:rPr lang="en-US" b="1" i="1" smtClean="0">
+                            <a:latin typeface="Cambria Math" panose="02040503050406030204" pitchFamily="18" charset="0"/>
+                          </a:rPr>
+                          <m:t>𝟔𝟎</m:t>
+                        </m:r>
+                        <m:r>
+                          <a:rPr lang="en-US" b="1" i="1" smtClean="0">
+                            <a:latin typeface="Cambria Math" panose="02040503050406030204" pitchFamily="18" charset="0"/>
+                          </a:rPr>
+                          <m:t>.</m:t>
+                        </m:r>
+                        <m:r>
+                          <a:rPr lang="en-US" b="1" i="1" smtClean="0">
+                            <a:latin typeface="Cambria Math" panose="02040503050406030204" pitchFamily="18" charset="0"/>
+                          </a:rPr>
+                          <m:t>𝟔𝟒</m:t>
+                        </m:r>
+                      </m:e>
+                      <m:sup>
+                        <m:r>
+                          <a:rPr lang="en-US" b="1" i="1" smtClean="0">
+                            <a:latin typeface="Cambria Math" panose="02040503050406030204" pitchFamily="18" charset="0"/>
+                          </a:rPr>
+                          <m:t>𝒐</m:t>
+                        </m:r>
+                      </m:sup>
+                    </m:sSup>
+                  </m:oMath>
+                </a14:m>
+                <a:r>
+                  <a:rPr lang="en-MY" b="1" dirty="0"/>
+                  <a:t> below the positive x-axis]</a:t>
+                </a:r>
+              </a:p>
+              <a:p>
+                <a:endParaRPr lang="en-MY" b="1" dirty="0"/>
+              </a:p>
+              <a:p>
+                <a:r>
+                  <a:rPr lang="en-MY" b="1" dirty="0"/>
+                  <a:t>[</a:t>
+                </a:r>
+                <a14:m>
+                  <m:oMath xmlns:m="http://schemas.openxmlformats.org/officeDocument/2006/math">
+                    <m:r>
+                      <a:rPr lang="en-US" b="1" i="1" smtClean="0">
+                        <a:latin typeface="Cambria Math" panose="02040503050406030204" pitchFamily="18" charset="0"/>
+                      </a:rPr>
+                      <m:t>𝟏𝟓</m:t>
+                    </m:r>
+                    <m:r>
+                      <a:rPr lang="en-US" b="1" i="1" smtClean="0">
+                        <a:latin typeface="Cambria Math" panose="02040503050406030204" pitchFamily="18" charset="0"/>
+                      </a:rPr>
+                      <m:t>𝒎𝑱</m:t>
+                    </m:r>
+                  </m:oMath>
+                </a14:m>
+                <a:r>
+                  <a:rPr lang="en-MY" b="1" dirty="0"/>
+                  <a:t>]</a:t>
+                </a:r>
+              </a:p>
+            </p:txBody>
+          </p:sp>
+        </mc:Choice>
+        <mc:Fallback>
+          <p:sp>
+            <p:nvSpPr>
+              <p:cNvPr id="7" name="TextBox 6">
+                <a:extLst>
+                  <a:ext uri="{FF2B5EF4-FFF2-40B4-BE49-F238E27FC236}">
+                    <a16:creationId xmlns:a16="http://schemas.microsoft.com/office/drawing/2014/main" id="{25D8129B-C418-04ED-689E-93C411196E7D}"/>
+                  </a:ext>
+                </a:extLst>
+              </p:cNvPr>
+              <p:cNvSpPr txBox="1">
+                <a:spLocks noRot="1" noChangeAspect="1" noMove="1" noResize="1" noEditPoints="1" noAdjustHandles="1" noChangeArrowheads="1" noChangeShapeType="1" noTextEdit="1"/>
+              </p:cNvSpPr>
+              <p:nvPr/>
+            </p:nvSpPr>
+            <p:spPr>
+              <a:xfrm>
+                <a:off x="6432177" y="5384127"/>
+                <a:ext cx="3473823" cy="1200329"/>
+              </a:xfrm>
+              <a:prstGeom prst="rect">
+                <a:avLst/>
+              </a:prstGeom>
+              <a:blipFill>
+                <a:blip r:embed="rId4"/>
+                <a:stretch>
+                  <a:fillRect l="-1404" t="-2030" b="-7614"/>
+                </a:stretch>
+              </a:blipFill>
+            </p:spPr>
+            <p:txBody>
+              <a:bodyPr/>
+              <a:lstStyle/>
+              <a:p>
+                <a:r>
+                  <a:rPr lang="en-US">
+                    <a:noFill/>
+                  </a:rPr>
+                  <a:t> </a:t>
+                </a:r>
+              </a:p>
+            </p:txBody>
+          </p:sp>
+        </mc:Fallback>
+      </mc:AlternateContent>
     </p:spTree>
     <p:extLst>
       <p:ext uri="{BB962C8B-B14F-4D97-AF65-F5344CB8AC3E}">
-        <p14:creationId xmlns:p14="http://schemas.microsoft.com/office/powerpoint/2010/main" val="114443605"/>
+        <p14:creationId xmlns:p14="http://schemas.microsoft.com/office/powerpoint/2010/main" val="3300420644"/>
       </p:ext>
     </p:extLst>
   </p:cSld>
@@ -3922,7 +5474,7 @@
         <p:cNvPr id="1" name="">
           <a:extLst>
             <a:ext uri="{FF2B5EF4-FFF2-40B4-BE49-F238E27FC236}">
-              <a16:creationId xmlns:a16="http://schemas.microsoft.com/office/drawing/2014/main" id="{A97BC7F5-4C9F-1950-DDDB-BBE5FE9D0A78}"/>
+              <a16:creationId xmlns:a16="http://schemas.microsoft.com/office/drawing/2014/main" id="{C50621C0-BDEB-9A00-E98A-F7CBA29E73E3}"/>
             </a:ext>
           </a:extLst>
         </p:cNvPr>
@@ -3942,7 +5494,7 @@
           <p:cNvPr id="3" name="Picture 2">
             <a:extLst>
               <a:ext uri="{FF2B5EF4-FFF2-40B4-BE49-F238E27FC236}">
-                <a16:creationId xmlns:a16="http://schemas.microsoft.com/office/drawing/2014/main" id="{4C22C33E-B179-157A-0752-9B7FBC616910}"/>
+                <a16:creationId xmlns:a16="http://schemas.microsoft.com/office/drawing/2014/main" id="{C1B7E4BE-5890-089D-C4A2-BA8D2B32B501}"/>
               </a:ext>
             </a:extLst>
           </p:cNvPr>
@@ -3952,25 +5504,325 @@
           <p:nvPr/>
         </p:nvPicPr>
         <p:blipFill>
-          <a:blip r:embed="rId2"/>
+          <a:blip r:embed="rId3"/>
           <a:stretch>
             <a:fillRect/>
           </a:stretch>
         </p:blipFill>
         <p:spPr>
-          <a:xfrm>
-            <a:off x="0" y="233083"/>
-            <a:ext cx="6858000" cy="4059289"/>
+          <a:xfrm rot="5400000">
+            <a:off x="-901045" y="946765"/>
+            <a:ext cx="6766560" cy="4964470"/>
           </a:xfrm>
           <a:prstGeom prst="rect">
             <a:avLst/>
           </a:prstGeom>
         </p:spPr>
       </p:pic>
+      <p:pic>
+        <p:nvPicPr>
+          <p:cNvPr id="5" name="Picture 4">
+            <a:extLst>
+              <a:ext uri="{FF2B5EF4-FFF2-40B4-BE49-F238E27FC236}">
+                <a16:creationId xmlns:a16="http://schemas.microsoft.com/office/drawing/2014/main" id="{D136B630-400C-C7B8-FE94-1F69BC2AE7AD}"/>
+              </a:ext>
+            </a:extLst>
+          </p:cNvPr>
+          <p:cNvPicPr>
+            <a:picLocks noChangeAspect="1"/>
+          </p:cNvPicPr>
+          <p:nvPr/>
+        </p:nvPicPr>
+        <p:blipFill>
+          <a:blip r:embed="rId4"/>
+          <a:stretch>
+            <a:fillRect/>
+          </a:stretch>
+        </p:blipFill>
+        <p:spPr>
+          <a:xfrm rot="5400000">
+            <a:off x="6542674" y="-1249258"/>
+            <a:ext cx="1761461" cy="4965192"/>
+          </a:xfrm>
+          <a:prstGeom prst="rect">
+            <a:avLst/>
+          </a:prstGeom>
+        </p:spPr>
+      </p:pic>
+      <mc:AlternateContent xmlns:mc="http://schemas.openxmlformats.org/markup-compatibility/2006">
+        <mc:Choice xmlns:a14="http://schemas.microsoft.com/office/drawing/2010/main" Requires="a14">
+          <p:sp>
+            <p:nvSpPr>
+              <p:cNvPr id="7" name="TextBox 6">
+                <a:extLst>
+                  <a:ext uri="{FF2B5EF4-FFF2-40B4-BE49-F238E27FC236}">
+                    <a16:creationId xmlns:a16="http://schemas.microsoft.com/office/drawing/2014/main" id="{F72531DF-B9CD-8FF9-35CA-4809A48E6F94}"/>
+                  </a:ext>
+                </a:extLst>
+              </p:cNvPr>
+              <p:cNvSpPr txBox="1"/>
+              <p:nvPr/>
+            </p:nvSpPr>
+            <p:spPr>
+              <a:xfrm>
+                <a:off x="6934200" y="5876511"/>
+                <a:ext cx="2971800" cy="935769"/>
+              </a:xfrm>
+              <a:prstGeom prst="rect">
+                <a:avLst/>
+              </a:prstGeom>
+              <a:noFill/>
+            </p:spPr>
+            <p:txBody>
+              <a:bodyPr wrap="square">
+                <a:spAutoFit/>
+              </a:bodyPr>
+              <a:lstStyle/>
+              <a:p>
+                <a:pPr algn="ctr"/>
+                <a:r>
+                  <a:rPr lang="en-MY" b="1" dirty="0"/>
+                  <a:t>[</a:t>
+                </a:r>
+                <a14:m>
+                  <m:oMath xmlns:m="http://schemas.openxmlformats.org/officeDocument/2006/math">
+                    <m:r>
+                      <a:rPr lang="en-US" b="1" i="1" smtClean="0">
+                        <a:latin typeface="Cambria Math" panose="02040503050406030204" pitchFamily="18" charset="0"/>
+                      </a:rPr>
+                      <m:t>−</m:t>
+                    </m:r>
+                    <m:r>
+                      <a:rPr lang="en-US" b="1" i="1" smtClean="0">
+                        <a:latin typeface="Cambria Math" panose="02040503050406030204" pitchFamily="18" charset="0"/>
+                      </a:rPr>
+                      <m:t>𝟗𝟕𝟓𝟎</m:t>
+                    </m:r>
+                    <m:r>
+                      <a:rPr lang="en-US" b="1" i="1" smtClean="0">
+                        <a:latin typeface="Cambria Math" panose="02040503050406030204" pitchFamily="18" charset="0"/>
+                      </a:rPr>
+                      <m:t>𝑵</m:t>
+                    </m:r>
+                    <m:sSup>
+                      <m:sSupPr>
+                        <m:ctrlPr>
+                          <a:rPr lang="en-US" b="1" i="1" smtClean="0">
+                            <a:latin typeface="Cambria Math" panose="02040503050406030204" pitchFamily="18" charset="0"/>
+                          </a:rPr>
+                        </m:ctrlPr>
+                      </m:sSupPr>
+                      <m:e>
+                        <m:r>
+                          <a:rPr lang="en-US" b="1" i="1" smtClean="0">
+                            <a:latin typeface="Cambria Math" panose="02040503050406030204" pitchFamily="18" charset="0"/>
+                          </a:rPr>
+                          <m:t>𝑪</m:t>
+                        </m:r>
+                      </m:e>
+                      <m:sup>
+                        <m:r>
+                          <a:rPr lang="en-US" b="1" i="1" smtClean="0">
+                            <a:latin typeface="Cambria Math" panose="02040503050406030204" pitchFamily="18" charset="0"/>
+                          </a:rPr>
+                          <m:t>−</m:t>
+                        </m:r>
+                        <m:r>
+                          <a:rPr lang="en-US" b="1" i="1" smtClean="0">
+                            <a:latin typeface="Cambria Math" panose="02040503050406030204" pitchFamily="18" charset="0"/>
+                          </a:rPr>
+                          <m:t>𝟏</m:t>
+                        </m:r>
+                      </m:sup>
+                    </m:sSup>
+                  </m:oMath>
+                </a14:m>
+                <a:r>
+                  <a:rPr lang="en-MY" b="1" dirty="0"/>
+                  <a:t> to</a:t>
+                </a:r>
+                <a:r>
+                  <a:rPr lang="en-MY" b="1" baseline="0" dirty="0"/>
+                  <a:t> the left</a:t>
+                </a:r>
+                <a:r>
+                  <a:rPr lang="en-MY" b="1" dirty="0"/>
+                  <a:t>]</a:t>
+                </a:r>
+              </a:p>
+              <a:p>
+                <a:pPr algn="ctr"/>
+                <a:r>
+                  <a:rPr lang="en-MY" b="1" dirty="0"/>
+                  <a:t>[</a:t>
+                </a:r>
+                <a14:m>
+                  <m:oMath xmlns:m="http://schemas.openxmlformats.org/officeDocument/2006/math">
+                    <m:r>
+                      <a:rPr lang="en-US" b="1" i="1" smtClean="0">
+                        <a:latin typeface="Cambria Math" panose="02040503050406030204" pitchFamily="18" charset="0"/>
+                      </a:rPr>
+                      <m:t>−</m:t>
+                    </m:r>
+                    <m:r>
+                      <a:rPr lang="en-US" b="1" i="1" smtClean="0">
+                        <a:latin typeface="Cambria Math" panose="02040503050406030204" pitchFamily="18" charset="0"/>
+                      </a:rPr>
+                      <m:t>𝟗</m:t>
+                    </m:r>
+                    <m:r>
+                      <a:rPr lang="en-US" b="1" i="1" smtClean="0">
+                        <a:latin typeface="Cambria Math" panose="02040503050406030204" pitchFamily="18" charset="0"/>
+                      </a:rPr>
+                      <m:t>.</m:t>
+                    </m:r>
+                    <m:r>
+                      <a:rPr lang="en-US" b="1" i="1" smtClean="0">
+                        <a:latin typeface="Cambria Math" panose="02040503050406030204" pitchFamily="18" charset="0"/>
+                      </a:rPr>
+                      <m:t>𝟖𝟗</m:t>
+                    </m:r>
+                    <m:r>
+                      <a:rPr lang="en-US" b="1" i="1" smtClean="0">
+                        <a:latin typeface="Cambria Math" panose="02040503050406030204" pitchFamily="18" charset="0"/>
+                      </a:rPr>
+                      <m:t>×</m:t>
+                    </m:r>
+                    <m:sSup>
+                      <m:sSupPr>
+                        <m:ctrlPr>
+                          <a:rPr lang="en-US" b="1" i="1" smtClean="0">
+                            <a:latin typeface="Cambria Math" panose="02040503050406030204" pitchFamily="18" charset="0"/>
+                          </a:rPr>
+                        </m:ctrlPr>
+                      </m:sSupPr>
+                      <m:e>
+                        <m:r>
+                          <a:rPr lang="en-US" b="1" i="1" smtClean="0">
+                            <a:latin typeface="Cambria Math" panose="02040503050406030204" pitchFamily="18" charset="0"/>
+                          </a:rPr>
+                          <m:t>𝟏𝟎</m:t>
+                        </m:r>
+                      </m:e>
+                      <m:sup>
+                        <m:r>
+                          <a:rPr lang="en-US" b="1" i="1" smtClean="0">
+                            <a:latin typeface="Cambria Math" panose="02040503050406030204" pitchFamily="18" charset="0"/>
+                          </a:rPr>
+                          <m:t>−</m:t>
+                        </m:r>
+                        <m:r>
+                          <a:rPr lang="en-US" b="1" i="1" smtClean="0">
+                            <a:latin typeface="Cambria Math" panose="02040503050406030204" pitchFamily="18" charset="0"/>
+                          </a:rPr>
+                          <m:t>𝟏𝟗</m:t>
+                        </m:r>
+                      </m:sup>
+                    </m:sSup>
+                    <m:r>
+                      <a:rPr lang="en-US" b="1" i="1" smtClean="0">
+                        <a:latin typeface="Cambria Math" panose="02040503050406030204" pitchFamily="18" charset="0"/>
+                      </a:rPr>
+                      <m:t>𝑱</m:t>
+                    </m:r>
+                  </m:oMath>
+                </a14:m>
+                <a:r>
+                  <a:rPr lang="en-MY" b="1" dirty="0"/>
+                  <a:t>]</a:t>
+                </a:r>
+              </a:p>
+              <a:p>
+                <a:pPr algn="ctr"/>
+                <a:r>
+                  <a:rPr lang="en-MY" b="1" dirty="0"/>
+                  <a:t>[</a:t>
+                </a:r>
+                <a14:m>
+                  <m:oMath xmlns:m="http://schemas.openxmlformats.org/officeDocument/2006/math">
+                    <m:r>
+                      <a:rPr lang="en-US" b="1" i="1" smtClean="0">
+                        <a:latin typeface="Cambria Math" panose="02040503050406030204" pitchFamily="18" charset="0"/>
+                      </a:rPr>
+                      <m:t>𝟗𝟖</m:t>
+                    </m:r>
+                    <m:r>
+                      <a:rPr lang="en-US" b="1" i="1" smtClean="0">
+                        <a:latin typeface="Cambria Math" panose="02040503050406030204" pitchFamily="18" charset="0"/>
+                      </a:rPr>
+                      <m:t>.</m:t>
+                    </m:r>
+                    <m:r>
+                      <a:rPr lang="en-US" b="1" i="1" smtClean="0">
+                        <a:latin typeface="Cambria Math" panose="02040503050406030204" pitchFamily="18" charset="0"/>
+                      </a:rPr>
+                      <m:t>𝟏</m:t>
+                    </m:r>
+                    <m:r>
+                      <a:rPr lang="en-US" b="1" i="1" smtClean="0">
+                        <a:latin typeface="Cambria Math" panose="02040503050406030204" pitchFamily="18" charset="0"/>
+                      </a:rPr>
+                      <m:t>𝒌𝑽</m:t>
+                    </m:r>
+                  </m:oMath>
+                </a14:m>
+                <a:r>
+                  <a:rPr lang="en-MY" b="1" dirty="0"/>
+                  <a:t>]</a:t>
+                </a:r>
+              </a:p>
+            </p:txBody>
+          </p:sp>
+        </mc:Choice>
+        <mc:Fallback>
+          <p:sp>
+            <p:nvSpPr>
+              <p:cNvPr id="7" name="TextBox 6">
+                <a:extLst>
+                  <a:ext uri="{FF2B5EF4-FFF2-40B4-BE49-F238E27FC236}">
+                    <a16:creationId xmlns:a16="http://schemas.microsoft.com/office/drawing/2014/main" id="{F72531DF-B9CD-8FF9-35CA-4809A48E6F94}"/>
+                  </a:ext>
+                </a:extLst>
+              </p:cNvPr>
+              <p:cNvSpPr txBox="1">
+                <a:spLocks noRot="1" noChangeAspect="1" noMove="1" noResize="1" noEditPoints="1" noAdjustHandles="1" noChangeArrowheads="1" noChangeShapeType="1" noTextEdit="1"/>
+              </p:cNvSpPr>
+              <p:nvPr/>
+            </p:nvSpPr>
+            <p:spPr>
+              <a:xfrm>
+                <a:off x="6934200" y="5876511"/>
+                <a:ext cx="2971800" cy="935769"/>
+              </a:xfrm>
+              <a:prstGeom prst="rect">
+                <a:avLst/>
+              </a:prstGeom>
+              <a:blipFill>
+                <a:blip r:embed="rId5"/>
+                <a:stretch>
+                  <a:fillRect t="-3247" b="-9091"/>
+                </a:stretch>
+              </a:blipFill>
+            </p:spPr>
+            <p:txBody>
+              <a:bodyPr/>
+              <a:lstStyle/>
+              <a:p>
+                <a:r>
+                  <a:rPr lang="en-US">
+                    <a:noFill/>
+                  </a:rPr>
+                  <a:t> </a:t>
+                </a:r>
+              </a:p>
+            </p:txBody>
+          </p:sp>
+        </mc:Fallback>
+      </mc:AlternateContent>
     </p:spTree>
     <p:extLst>
       <p:ext uri="{BB962C8B-B14F-4D97-AF65-F5344CB8AC3E}">
-        <p14:creationId xmlns:p14="http://schemas.microsoft.com/office/powerpoint/2010/main" val="2222734524"/>
+        <p14:creationId xmlns:p14="http://schemas.microsoft.com/office/powerpoint/2010/main" val="968793931"/>
       </p:ext>
     </p:extLst>
   </p:cSld>
@@ -3988,73 +5840,7 @@
         <p:cNvPr id="1" name="">
           <a:extLst>
             <a:ext uri="{FF2B5EF4-FFF2-40B4-BE49-F238E27FC236}">
-              <a16:creationId xmlns:a16="http://schemas.microsoft.com/office/drawing/2014/main" id="{C07F148F-BA05-3B2F-AD84-906DD3D48987}"/>
-            </a:ext>
-          </a:extLst>
-        </p:cNvPr>
-        <p:cNvGrpSpPr/>
-        <p:nvPr/>
-      </p:nvGrpSpPr>
-      <p:grpSpPr>
-        <a:xfrm>
-          <a:off x="0" y="0"/>
-          <a:ext cx="0" cy="0"/>
-          <a:chOff x="0" y="0"/>
-          <a:chExt cx="0" cy="0"/>
-        </a:xfrm>
-      </p:grpSpPr>
-      <p:pic>
-        <p:nvPicPr>
-          <p:cNvPr id="4" name="Picture 3">
-            <a:extLst>
-              <a:ext uri="{FF2B5EF4-FFF2-40B4-BE49-F238E27FC236}">
-                <a16:creationId xmlns:a16="http://schemas.microsoft.com/office/drawing/2014/main" id="{ACFC90FF-DC83-62B7-813E-E9F96EC1C26E}"/>
-              </a:ext>
-            </a:extLst>
-          </p:cNvPr>
-          <p:cNvPicPr>
-            <a:picLocks noChangeAspect="1"/>
-          </p:cNvPicPr>
-          <p:nvPr/>
-        </p:nvPicPr>
-        <p:blipFill>
-          <a:blip r:embed="rId2"/>
-          <a:stretch>
-            <a:fillRect/>
-          </a:stretch>
-        </p:blipFill>
-        <p:spPr>
-          <a:xfrm rot="5400000">
-            <a:off x="-136264" y="136263"/>
-            <a:ext cx="6856207" cy="6583680"/>
-          </a:xfrm>
-          <a:prstGeom prst="rect">
-            <a:avLst/>
-          </a:prstGeom>
-        </p:spPr>
-      </p:pic>
-    </p:spTree>
-    <p:extLst>
-      <p:ext uri="{BB962C8B-B14F-4D97-AF65-F5344CB8AC3E}">
-        <p14:creationId xmlns:p14="http://schemas.microsoft.com/office/powerpoint/2010/main" val="1311139096"/>
-      </p:ext>
-    </p:extLst>
-  </p:cSld>
-  <p:clrMapOvr>
-    <a:masterClrMapping/>
-  </p:clrMapOvr>
-</p:sld>
-</file>
-
-<file path=ppt/slides/slide5.xml><?xml version="1.0" encoding="utf-8"?>
-<p:sld xmlns:a="http://schemas.openxmlformats.org/drawingml/2006/main" xmlns:r="http://schemas.openxmlformats.org/officeDocument/2006/relationships" xmlns:p="http://schemas.openxmlformats.org/presentationml/2006/main">
-  <p:cSld>
-    <p:spTree>
-      <p:nvGrpSpPr>
-        <p:cNvPr id="1" name="">
-          <a:extLst>
-            <a:ext uri="{FF2B5EF4-FFF2-40B4-BE49-F238E27FC236}">
-              <a16:creationId xmlns:a16="http://schemas.microsoft.com/office/drawing/2014/main" id="{C4B62458-3A55-0848-0F97-33C943F7AD81}"/>
+              <a16:creationId xmlns:a16="http://schemas.microsoft.com/office/drawing/2014/main" id="{394B6287-B71A-AD11-DD03-3F53187826DE}"/>
             </a:ext>
           </a:extLst>
         </p:cNvPr>
@@ -4074,7 +5860,7 @@
           <p:cNvPr id="3" name="Picture 2">
             <a:extLst>
               <a:ext uri="{FF2B5EF4-FFF2-40B4-BE49-F238E27FC236}">
-                <a16:creationId xmlns:a16="http://schemas.microsoft.com/office/drawing/2014/main" id="{E1CEEFB6-DB72-4524-DB47-90B872C9E7F7}"/>
+                <a16:creationId xmlns:a16="http://schemas.microsoft.com/office/drawing/2014/main" id="{DA63C516-E925-8392-925D-72806E6DCE15}"/>
               </a:ext>
             </a:extLst>
           </p:cNvPr>
@@ -4084,25 +5870,625 @@
           <p:nvPr/>
         </p:nvPicPr>
         <p:blipFill>
-          <a:blip r:embed="rId2"/>
+          <a:blip r:embed="rId3"/>
           <a:stretch>
             <a:fillRect/>
           </a:stretch>
         </p:blipFill>
         <p:spPr>
-          <a:xfrm>
-            <a:off x="0" y="130273"/>
-            <a:ext cx="6858000" cy="4654445"/>
+          <a:xfrm rot="5400000">
+            <a:off x="1768489" y="-462282"/>
+            <a:ext cx="4630802" cy="7782563"/>
           </a:xfrm>
           <a:prstGeom prst="rect">
             <a:avLst/>
           </a:prstGeom>
         </p:spPr>
       </p:pic>
+      <mc:AlternateContent xmlns:mc="http://schemas.openxmlformats.org/markup-compatibility/2006">
+        <mc:Choice xmlns:a14="http://schemas.microsoft.com/office/drawing/2010/main" Requires="a14">
+          <p:sp>
+            <p:nvSpPr>
+              <p:cNvPr id="5" name="TextBox 4">
+                <a:extLst>
+                  <a:ext uri="{FF2B5EF4-FFF2-40B4-BE49-F238E27FC236}">
+                    <a16:creationId xmlns:a16="http://schemas.microsoft.com/office/drawing/2014/main" id="{D8B56A5E-DE57-ECCC-6BD9-19A893DAE135}"/>
+                  </a:ext>
+                </a:extLst>
+              </p:cNvPr>
+              <p:cNvSpPr txBox="1"/>
+              <p:nvPr/>
+            </p:nvSpPr>
+            <p:spPr>
+              <a:xfrm>
+                <a:off x="6987988" y="5934670"/>
+                <a:ext cx="2918012" cy="923330"/>
+              </a:xfrm>
+              <a:prstGeom prst="rect">
+                <a:avLst/>
+              </a:prstGeom>
+              <a:noFill/>
+            </p:spPr>
+            <p:txBody>
+              <a:bodyPr wrap="square">
+                <a:spAutoFit/>
+              </a:bodyPr>
+              <a:lstStyle/>
+              <a:p>
+                <a:pPr algn="ctr"/>
+                <a:r>
+                  <a:rPr lang="en-MY" b="1" dirty="0"/>
+                  <a:t>[</a:t>
+                </a:r>
+                <a:r>
+                  <a:rPr lang="en-US" b="1" dirty="0"/>
+                  <a:t>0.13mN towards </a:t>
+                </a:r>
+                <a14:m>
+                  <m:oMath xmlns:m="http://schemas.openxmlformats.org/officeDocument/2006/math">
+                    <m:sSub>
+                      <m:sSubPr>
+                        <m:ctrlPr>
+                          <a:rPr lang="en-US" b="1" i="1" smtClean="0">
+                            <a:latin typeface="Cambria Math" panose="02040503050406030204" pitchFamily="18" charset="0"/>
+                          </a:rPr>
+                        </m:ctrlPr>
+                      </m:sSubPr>
+                      <m:e>
+                        <m:r>
+                          <a:rPr lang="en-US" b="1" i="1" smtClean="0">
+                            <a:latin typeface="Cambria Math" panose="02040503050406030204" pitchFamily="18" charset="0"/>
+                          </a:rPr>
+                          <m:t>𝑸</m:t>
+                        </m:r>
+                      </m:e>
+                      <m:sub>
+                        <m:r>
+                          <a:rPr lang="en-US" b="1" i="1" smtClean="0">
+                            <a:latin typeface="Cambria Math" panose="02040503050406030204" pitchFamily="18" charset="0"/>
+                          </a:rPr>
+                          <m:t>𝟐</m:t>
+                        </m:r>
+                      </m:sub>
+                    </m:sSub>
+                  </m:oMath>
+                </a14:m>
+                <a:r>
+                  <a:rPr lang="en-MY" b="1" dirty="0"/>
+                  <a:t>]</a:t>
+                </a:r>
+              </a:p>
+              <a:p>
+                <a:pPr algn="ctr"/>
+                <a:r>
+                  <a:rPr lang="en-MY" b="1" dirty="0"/>
+                  <a:t>[</a:t>
+                </a:r>
+                <a14:m>
+                  <m:oMath xmlns:m="http://schemas.openxmlformats.org/officeDocument/2006/math">
+                    <m:r>
+                      <a:rPr lang="en-US" b="1" i="1" smtClean="0">
+                        <a:latin typeface="Cambria Math" panose="02040503050406030204" pitchFamily="18" charset="0"/>
+                      </a:rPr>
+                      <m:t>𝟒</m:t>
+                    </m:r>
+                    <m:r>
+                      <a:rPr lang="en-US" b="1" i="1" smtClean="0">
+                        <a:latin typeface="Cambria Math" panose="02040503050406030204" pitchFamily="18" charset="0"/>
+                      </a:rPr>
+                      <m:t>.</m:t>
+                    </m:r>
+                    <m:r>
+                      <a:rPr lang="en-US" b="1" i="1" smtClean="0">
+                        <a:latin typeface="Cambria Math" panose="02040503050406030204" pitchFamily="18" charset="0"/>
+                      </a:rPr>
+                      <m:t>𝟗𝟐</m:t>
+                    </m:r>
+                    <m:r>
+                      <a:rPr lang="en-US" b="1" i="1" smtClean="0">
+                        <a:latin typeface="Cambria Math" panose="02040503050406030204" pitchFamily="18" charset="0"/>
+                      </a:rPr>
+                      <m:t>𝒌𝑵</m:t>
+                    </m:r>
+                    <m:sSup>
+                      <m:sSupPr>
+                        <m:ctrlPr>
+                          <a:rPr lang="en-US" b="1" i="1" smtClean="0">
+                            <a:latin typeface="Cambria Math" panose="02040503050406030204" pitchFamily="18" charset="0"/>
+                          </a:rPr>
+                        </m:ctrlPr>
+                      </m:sSupPr>
+                      <m:e>
+                        <m:r>
+                          <a:rPr lang="en-US" b="1" i="1" smtClean="0">
+                            <a:latin typeface="Cambria Math" panose="02040503050406030204" pitchFamily="18" charset="0"/>
+                          </a:rPr>
+                          <m:t>𝑪</m:t>
+                        </m:r>
+                      </m:e>
+                      <m:sup>
+                        <m:r>
+                          <a:rPr lang="en-US" b="1" i="1" smtClean="0">
+                            <a:latin typeface="Cambria Math" panose="02040503050406030204" pitchFamily="18" charset="0"/>
+                          </a:rPr>
+                          <m:t>−</m:t>
+                        </m:r>
+                        <m:r>
+                          <a:rPr lang="en-US" b="1" i="1" smtClean="0">
+                            <a:latin typeface="Cambria Math" panose="02040503050406030204" pitchFamily="18" charset="0"/>
+                          </a:rPr>
+                          <m:t>𝟏</m:t>
+                        </m:r>
+                      </m:sup>
+                    </m:sSup>
+                  </m:oMath>
+                </a14:m>
+                <a:r>
+                  <a:rPr lang="en-MY" b="1" dirty="0"/>
+                  <a:t> to</a:t>
+                </a:r>
+                <a:r>
+                  <a:rPr lang="en-MY" b="1" baseline="0" dirty="0"/>
+                  <a:t> the right</a:t>
+                </a:r>
+                <a:r>
+                  <a:rPr lang="en-MY" b="1" dirty="0"/>
+                  <a:t>]</a:t>
+                </a:r>
+              </a:p>
+              <a:p>
+                <a:pPr marL="0" marR="0" lvl="0" indent="0" algn="ctr" defTabSz="914400" rtl="0" eaLnBrk="1" fontAlgn="auto" latinLnBrk="0" hangingPunct="1">
+                  <a:lnSpc>
+                    <a:spcPct val="100000"/>
+                  </a:lnSpc>
+                  <a:spcBef>
+                    <a:spcPts val="0"/>
+                  </a:spcBef>
+                  <a:spcAft>
+                    <a:spcPts val="0"/>
+                  </a:spcAft>
+                  <a:buClrTx/>
+                  <a:buSzTx/>
+                  <a:buFontTx/>
+                  <a:buNone/>
+                  <a:tabLst/>
+                  <a:defRPr/>
+                </a:pPr>
+                <a:r>
+                  <a:rPr lang="en-MY" b="1" dirty="0"/>
+                  <a:t>[</a:t>
+                </a:r>
+                <a14:m>
+                  <m:oMath xmlns:m="http://schemas.openxmlformats.org/officeDocument/2006/math">
+                    <m:r>
+                      <a:rPr lang="en-US" b="1" i="1" smtClean="0">
+                        <a:latin typeface="Cambria Math" panose="02040503050406030204" pitchFamily="18" charset="0"/>
+                      </a:rPr>
+                      <m:t>𝟗</m:t>
+                    </m:r>
+                    <m:r>
+                      <a:rPr lang="en-US" b="1" i="1" smtClean="0">
+                        <a:latin typeface="Cambria Math" panose="02040503050406030204" pitchFamily="18" charset="0"/>
+                      </a:rPr>
+                      <m:t>.</m:t>
+                    </m:r>
+                    <m:r>
+                      <a:rPr lang="en-US" b="1" i="1" smtClean="0">
+                        <a:latin typeface="Cambria Math" panose="02040503050406030204" pitchFamily="18" charset="0"/>
+                      </a:rPr>
+                      <m:t>𝟖𝟏</m:t>
+                    </m:r>
+                    <m:r>
+                      <a:rPr lang="en-US" b="1" i="1" smtClean="0">
+                        <a:latin typeface="Cambria Math" panose="02040503050406030204" pitchFamily="18" charset="0"/>
+                      </a:rPr>
+                      <m:t>𝒎𝑵</m:t>
+                    </m:r>
+                  </m:oMath>
+                </a14:m>
+                <a:r>
+                  <a:rPr lang="en-MY" b="1" dirty="0"/>
+                  <a:t> </a:t>
+                </a:r>
+                <a:r>
+                  <a:rPr lang="en-US" b="1" dirty="0"/>
+                  <a:t>to the right</a:t>
+                </a:r>
+                <a:r>
+                  <a:rPr lang="en-MY" b="1" dirty="0"/>
+                  <a:t>]</a:t>
+                </a:r>
+              </a:p>
+            </p:txBody>
+          </p:sp>
+        </mc:Choice>
+        <mc:Fallback>
+          <p:sp>
+            <p:nvSpPr>
+              <p:cNvPr id="5" name="TextBox 4">
+                <a:extLst>
+                  <a:ext uri="{FF2B5EF4-FFF2-40B4-BE49-F238E27FC236}">
+                    <a16:creationId xmlns:a16="http://schemas.microsoft.com/office/drawing/2014/main" id="{D8B56A5E-DE57-ECCC-6BD9-19A893DAE135}"/>
+                  </a:ext>
+                </a:extLst>
+              </p:cNvPr>
+              <p:cNvSpPr txBox="1">
+                <a:spLocks noRot="1" noChangeAspect="1" noMove="1" noResize="1" noEditPoints="1" noAdjustHandles="1" noChangeArrowheads="1" noChangeShapeType="1" noTextEdit="1"/>
+              </p:cNvSpPr>
+              <p:nvPr/>
+            </p:nvSpPr>
+            <p:spPr>
+              <a:xfrm>
+                <a:off x="6987988" y="5934670"/>
+                <a:ext cx="2918012" cy="923330"/>
+              </a:xfrm>
+              <a:prstGeom prst="rect">
+                <a:avLst/>
+              </a:prstGeom>
+              <a:blipFill>
+                <a:blip r:embed="rId4"/>
+                <a:stretch>
+                  <a:fillRect t="-3974" b="-10596"/>
+                </a:stretch>
+              </a:blipFill>
+            </p:spPr>
+            <p:txBody>
+              <a:bodyPr/>
+              <a:lstStyle/>
+              <a:p>
+                <a:r>
+                  <a:rPr lang="en-US">
+                    <a:noFill/>
+                  </a:rPr>
+                  <a:t> </a:t>
+                </a:r>
+              </a:p>
+            </p:txBody>
+          </p:sp>
+        </mc:Fallback>
+      </mc:AlternateContent>
     </p:spTree>
     <p:extLst>
       <p:ext uri="{BB962C8B-B14F-4D97-AF65-F5344CB8AC3E}">
-        <p14:creationId xmlns:p14="http://schemas.microsoft.com/office/powerpoint/2010/main" val="2081068490"/>
+        <p14:creationId xmlns:p14="http://schemas.microsoft.com/office/powerpoint/2010/main" val="1135467321"/>
+      </p:ext>
+    </p:extLst>
+  </p:cSld>
+  <p:clrMapOvr>
+    <a:masterClrMapping/>
+  </p:clrMapOvr>
+</p:sld>
+</file>
+
+<file path=ppt/slides/slide5.xml><?xml version="1.0" encoding="utf-8"?>
+<p:sld xmlns:a="http://schemas.openxmlformats.org/drawingml/2006/main" xmlns:r="http://schemas.openxmlformats.org/officeDocument/2006/relationships" xmlns:p="http://schemas.openxmlformats.org/presentationml/2006/main">
+  <p:cSld>
+    <p:spTree>
+      <p:nvGrpSpPr>
+        <p:cNvPr id="1" name="">
+          <a:extLst>
+            <a:ext uri="{FF2B5EF4-FFF2-40B4-BE49-F238E27FC236}">
+              <a16:creationId xmlns:a16="http://schemas.microsoft.com/office/drawing/2014/main" id="{4662C905-8C96-BA38-EF21-475DF9E3E009}"/>
+            </a:ext>
+          </a:extLst>
+        </p:cNvPr>
+        <p:cNvGrpSpPr/>
+        <p:nvPr/>
+      </p:nvGrpSpPr>
+      <p:grpSpPr>
+        <a:xfrm>
+          <a:off x="0" y="0"/>
+          <a:ext cx="0" cy="0"/>
+          <a:chOff x="0" y="0"/>
+          <a:chExt cx="0" cy="0"/>
+        </a:xfrm>
+      </p:grpSpPr>
+      <p:pic>
+        <p:nvPicPr>
+          <p:cNvPr id="3" name="Picture 2">
+            <a:extLst>
+              <a:ext uri="{FF2B5EF4-FFF2-40B4-BE49-F238E27FC236}">
+                <a16:creationId xmlns:a16="http://schemas.microsoft.com/office/drawing/2014/main" id="{0ECC5A1F-9923-96DE-6068-53332A78DB6E}"/>
+              </a:ext>
+            </a:extLst>
+          </p:cNvPr>
+          <p:cNvPicPr>
+            <a:picLocks noChangeAspect="1"/>
+          </p:cNvPicPr>
+          <p:nvPr/>
+        </p:nvPicPr>
+        <p:blipFill>
+          <a:blip r:embed="rId3"/>
+          <a:stretch>
+            <a:fillRect/>
+          </a:stretch>
+        </p:blipFill>
+        <p:spPr>
+          <a:xfrm rot="5400000">
+            <a:off x="1193051" y="-1116851"/>
+            <a:ext cx="5395442" cy="7781544"/>
+          </a:xfrm>
+          <a:prstGeom prst="rect">
+            <a:avLst/>
+          </a:prstGeom>
+        </p:spPr>
+      </p:pic>
+      <mc:AlternateContent xmlns:mc="http://schemas.openxmlformats.org/markup-compatibility/2006">
+        <mc:Choice xmlns:a14="http://schemas.microsoft.com/office/drawing/2010/main" Requires="a14">
+          <p:sp>
+            <p:nvSpPr>
+              <p:cNvPr id="5" name="TextBox 4">
+                <a:extLst>
+                  <a:ext uri="{FF2B5EF4-FFF2-40B4-BE49-F238E27FC236}">
+                    <a16:creationId xmlns:a16="http://schemas.microsoft.com/office/drawing/2014/main" id="{6BA41F0A-F94A-E35D-2F00-8C0231B15984}"/>
+                  </a:ext>
+                </a:extLst>
+              </p:cNvPr>
+              <p:cNvSpPr txBox="1"/>
+              <p:nvPr/>
+            </p:nvSpPr>
+            <p:spPr>
+              <a:xfrm>
+                <a:off x="4791635" y="5858470"/>
+                <a:ext cx="4957482" cy="923330"/>
+              </a:xfrm>
+              <a:prstGeom prst="rect">
+                <a:avLst/>
+              </a:prstGeom>
+              <a:noFill/>
+            </p:spPr>
+            <p:txBody>
+              <a:bodyPr wrap="square">
+                <a:spAutoFit/>
+              </a:bodyPr>
+              <a:lstStyle/>
+              <a:p>
+                <a:pPr algn="r"/>
+                <a:r>
+                  <a:rPr lang="en-MY" b="1" dirty="0"/>
+                  <a:t>[</a:t>
+                </a:r>
+                <a:r>
+                  <a:rPr lang="en-US" b="1" dirty="0"/>
+                  <a:t>0.864N towards </a:t>
+                </a:r>
+                <a14:m>
+                  <m:oMath xmlns:m="http://schemas.openxmlformats.org/officeDocument/2006/math">
+                    <m:sSub>
+                      <m:sSubPr>
+                        <m:ctrlPr>
+                          <a:rPr lang="en-US" b="1" i="1" smtClean="0">
+                            <a:latin typeface="Cambria Math" panose="02040503050406030204" pitchFamily="18" charset="0"/>
+                          </a:rPr>
+                        </m:ctrlPr>
+                      </m:sSubPr>
+                      <m:e>
+                        <m:r>
+                          <a:rPr lang="en-US" b="1" i="1" smtClean="0">
+                            <a:latin typeface="Cambria Math" panose="02040503050406030204" pitchFamily="18" charset="0"/>
+                          </a:rPr>
+                          <m:t>𝑸</m:t>
+                        </m:r>
+                      </m:e>
+                      <m:sub>
+                        <m:r>
+                          <a:rPr lang="en-US" b="1" i="1" smtClean="0">
+                            <a:latin typeface="Cambria Math" panose="02040503050406030204" pitchFamily="18" charset="0"/>
+                          </a:rPr>
+                          <m:t>𝟏</m:t>
+                        </m:r>
+                      </m:sub>
+                    </m:sSub>
+                  </m:oMath>
+                </a14:m>
+                <a:r>
+                  <a:rPr lang="en-MY" b="1" dirty="0"/>
+                  <a:t>]</a:t>
+                </a:r>
+              </a:p>
+              <a:p>
+                <a:pPr algn="r"/>
+                <a:r>
+                  <a:rPr lang="en-MY" b="1" dirty="0"/>
+                  <a:t>[</a:t>
+                </a:r>
+                <a14:m>
+                  <m:oMath xmlns:m="http://schemas.openxmlformats.org/officeDocument/2006/math">
+                    <m:r>
+                      <a:rPr lang="en-US" b="1" i="1" smtClean="0">
+                        <a:latin typeface="Cambria Math" panose="02040503050406030204" pitchFamily="18" charset="0"/>
+                      </a:rPr>
+                      <m:t>−</m:t>
+                    </m:r>
+                    <m:r>
+                      <a:rPr lang="en-US" b="1" i="1" smtClean="0">
+                        <a:latin typeface="Cambria Math" panose="02040503050406030204" pitchFamily="18" charset="0"/>
+                      </a:rPr>
+                      <m:t>𝟏</m:t>
+                    </m:r>
+                    <m:r>
+                      <a:rPr lang="en-US" b="1" i="1" smtClean="0">
+                        <a:latin typeface="Cambria Math" panose="02040503050406030204" pitchFamily="18" charset="0"/>
+                      </a:rPr>
+                      <m:t>.</m:t>
+                    </m:r>
+                    <m:r>
+                      <a:rPr lang="en-US" b="1" i="1" smtClean="0">
+                        <a:latin typeface="Cambria Math" panose="02040503050406030204" pitchFamily="18" charset="0"/>
+                      </a:rPr>
+                      <m:t>𝟓𝟖</m:t>
+                    </m:r>
+                    <m:r>
+                      <a:rPr lang="en-US" b="1" i="1" smtClean="0">
+                        <a:latin typeface="Cambria Math" panose="02040503050406030204" pitchFamily="18" charset="0"/>
+                      </a:rPr>
+                      <m:t>×</m:t>
+                    </m:r>
+                    <m:sSup>
+                      <m:sSupPr>
+                        <m:ctrlPr>
+                          <a:rPr lang="en-US" b="1" i="1" smtClean="0">
+                            <a:latin typeface="Cambria Math" panose="02040503050406030204" pitchFamily="18" charset="0"/>
+                          </a:rPr>
+                        </m:ctrlPr>
+                      </m:sSupPr>
+                      <m:e>
+                        <m:r>
+                          <a:rPr lang="en-US" b="1" i="1" smtClean="0">
+                            <a:latin typeface="Cambria Math" panose="02040503050406030204" pitchFamily="18" charset="0"/>
+                          </a:rPr>
+                          <m:t>𝟏𝟎</m:t>
+                        </m:r>
+                      </m:e>
+                      <m:sup>
+                        <m:r>
+                          <a:rPr lang="en-US" b="1" i="1" smtClean="0">
+                            <a:latin typeface="Cambria Math" panose="02040503050406030204" pitchFamily="18" charset="0"/>
+                          </a:rPr>
+                          <m:t>𝟔</m:t>
+                        </m:r>
+                      </m:sup>
+                    </m:sSup>
+                    <m:r>
+                      <a:rPr lang="en-US" b="1" i="1" smtClean="0">
+                        <a:latin typeface="Cambria Math" panose="02040503050406030204" pitchFamily="18" charset="0"/>
+                      </a:rPr>
+                      <m:t>𝑵</m:t>
+                    </m:r>
+                    <m:sSup>
+                      <m:sSupPr>
+                        <m:ctrlPr>
+                          <a:rPr lang="en-US" b="1" i="1" smtClean="0">
+                            <a:latin typeface="Cambria Math" panose="02040503050406030204" pitchFamily="18" charset="0"/>
+                          </a:rPr>
+                        </m:ctrlPr>
+                      </m:sSupPr>
+                      <m:e>
+                        <m:r>
+                          <a:rPr lang="en-US" b="1" i="1" smtClean="0">
+                            <a:latin typeface="Cambria Math" panose="02040503050406030204" pitchFamily="18" charset="0"/>
+                          </a:rPr>
+                          <m:t>𝑪</m:t>
+                        </m:r>
+                      </m:e>
+                      <m:sup>
+                        <m:r>
+                          <a:rPr lang="en-US" b="1" i="1" smtClean="0">
+                            <a:latin typeface="Cambria Math" panose="02040503050406030204" pitchFamily="18" charset="0"/>
+                          </a:rPr>
+                          <m:t>−</m:t>
+                        </m:r>
+                        <m:r>
+                          <a:rPr lang="en-US" b="1" i="1" smtClean="0">
+                            <a:latin typeface="Cambria Math" panose="02040503050406030204" pitchFamily="18" charset="0"/>
+                          </a:rPr>
+                          <m:t>𝟏</m:t>
+                        </m:r>
+                      </m:sup>
+                    </m:sSup>
+                  </m:oMath>
+                </a14:m>
+                <a:r>
+                  <a:rPr lang="en-MY" b="1" dirty="0"/>
+                  <a:t> </a:t>
+                </a:r>
+                <a:r>
+                  <a:rPr lang="en-US" b="1" dirty="0"/>
+                  <a:t>towards </a:t>
+                </a:r>
+                <a14:m>
+                  <m:oMath xmlns:m="http://schemas.openxmlformats.org/officeDocument/2006/math">
+                    <m:sSub>
+                      <m:sSubPr>
+                        <m:ctrlPr>
+                          <a:rPr lang="en-US" b="1" i="1" smtClean="0">
+                            <a:latin typeface="Cambria Math" panose="02040503050406030204" pitchFamily="18" charset="0"/>
+                          </a:rPr>
+                        </m:ctrlPr>
+                      </m:sSubPr>
+                      <m:e>
+                        <m:r>
+                          <a:rPr lang="en-US" b="1" i="1" smtClean="0">
+                            <a:latin typeface="Cambria Math" panose="02040503050406030204" pitchFamily="18" charset="0"/>
+                          </a:rPr>
+                          <m:t>𝑸</m:t>
+                        </m:r>
+                      </m:e>
+                      <m:sub>
+                        <m:r>
+                          <a:rPr lang="en-US" b="1" i="1" smtClean="0">
+                            <a:latin typeface="Cambria Math" panose="02040503050406030204" pitchFamily="18" charset="0"/>
+                          </a:rPr>
+                          <m:t>𝟏</m:t>
+                        </m:r>
+                      </m:sub>
+                    </m:sSub>
+                  </m:oMath>
+                </a14:m>
+                <a:r>
+                  <a:rPr lang="en-MY" b="1" dirty="0"/>
+                  <a:t>]</a:t>
+                </a:r>
+              </a:p>
+              <a:p>
+                <a:pPr algn="r"/>
+                <a:r>
+                  <a:rPr lang="en-MY" b="1" dirty="0"/>
+                  <a:t>[69.2kV]</a:t>
+                </a:r>
+              </a:p>
+            </p:txBody>
+          </p:sp>
+        </mc:Choice>
+        <mc:Fallback>
+          <p:sp>
+            <p:nvSpPr>
+              <p:cNvPr id="5" name="TextBox 4">
+                <a:extLst>
+                  <a:ext uri="{FF2B5EF4-FFF2-40B4-BE49-F238E27FC236}">
+                    <a16:creationId xmlns:a16="http://schemas.microsoft.com/office/drawing/2014/main" id="{6BA41F0A-F94A-E35D-2F00-8C0231B15984}"/>
+                  </a:ext>
+                </a:extLst>
+              </p:cNvPr>
+              <p:cNvSpPr txBox="1">
+                <a:spLocks noRot="1" noChangeAspect="1" noMove="1" noResize="1" noEditPoints="1" noAdjustHandles="1" noChangeArrowheads="1" noChangeShapeType="1" noTextEdit="1"/>
+              </p:cNvSpPr>
+              <p:nvPr/>
+            </p:nvSpPr>
+            <p:spPr>
+              <a:xfrm>
+                <a:off x="4791635" y="5858470"/>
+                <a:ext cx="4957482" cy="923330"/>
+              </a:xfrm>
+              <a:prstGeom prst="rect">
+                <a:avLst/>
+              </a:prstGeom>
+              <a:blipFill>
+                <a:blip r:embed="rId4"/>
+                <a:stretch>
+                  <a:fillRect t="-3289" r="-1107" b="-9868"/>
+                </a:stretch>
+              </a:blipFill>
+            </p:spPr>
+            <p:txBody>
+              <a:bodyPr/>
+              <a:lstStyle/>
+              <a:p>
+                <a:r>
+                  <a:rPr lang="en-US">
+                    <a:noFill/>
+                  </a:rPr>
+                  <a:t> </a:t>
+                </a:r>
+              </a:p>
+            </p:txBody>
+          </p:sp>
+        </mc:Fallback>
+      </mc:AlternateContent>
+    </p:spTree>
+    <p:extLst>
+      <p:ext uri="{BB962C8B-B14F-4D97-AF65-F5344CB8AC3E}">
+        <p14:creationId xmlns:p14="http://schemas.microsoft.com/office/powerpoint/2010/main" val="166409657"/>
       </p:ext>
     </p:extLst>
   </p:cSld>
